--- a/presentations/04_data_wrangling.pptx
+++ b/presentations/04_data_wrangling.pptx
@@ -5,7 +5,7 @@
     <p:sldMasterId id="2147483684" r:id="rId3"/>
   </p:sldMasterIdLst>
   <p:notesMasterIdLst>
-    <p:notesMasterId r:id="rId23"/>
+    <p:notesMasterId r:id="rId22"/>
   </p:notesMasterIdLst>
   <p:sldIdLst>
     <p:sldId id="322" r:id="rId4"/>
@@ -23,10 +23,9 @@
     <p:sldId id="329" r:id="rId16"/>
     <p:sldId id="330" r:id="rId17"/>
     <p:sldId id="331" r:id="rId18"/>
-    <p:sldId id="332" r:id="rId19"/>
-    <p:sldId id="333" r:id="rId20"/>
-    <p:sldId id="334" r:id="rId21"/>
-    <p:sldId id="335" r:id="rId22"/>
+    <p:sldId id="367" r:id="rId19"/>
+    <p:sldId id="368" r:id="rId20"/>
+    <p:sldId id="335" r:id="rId21"/>
   </p:sldIdLst>
   <p:sldSz cx="12192000" cy="6858000"/>
   <p:notesSz cx="7077075" cy="9363075"/>
@@ -145,9 +144,8 @@
             <p14:sldId id="329"/>
             <p14:sldId id="330"/>
             <p14:sldId id="331"/>
-            <p14:sldId id="332"/>
-            <p14:sldId id="333"/>
-            <p14:sldId id="334"/>
+            <p14:sldId id="367"/>
+            <p14:sldId id="368"/>
             <p14:sldId id="335"/>
           </p14:sldIdLst>
         </p14:section>
@@ -184,9 +182,7 @@
 <file path=ppt/revisionInfo.xml><?xml version="1.0" encoding="utf-8"?>
 <p1510:revInfo xmlns:a="http://schemas.openxmlformats.org/drawingml/2006/main" xmlns:r="http://schemas.openxmlformats.org/officeDocument/2006/relationships" xmlns:p1510="http://schemas.microsoft.com/office/powerpoint/2015/10/main">
   <p1510:revLst>
-    <p1510:client id="{0395F849-04EA-63A5-3F14-9802C24E1950}" v="2" dt="2023-11-30T04:34:03.424"/>
-    <p1510:client id="{115119CC-C00C-4318-8215-38AEE0122E14}" v="2" dt="2023-07-06T12:48:34.787"/>
-    <p1510:client id="{D6741EBF-6B6A-57EF-FAF3-82DF450CF621}" v="2" dt="2023-11-30T15:25:23.802"/>
+    <p1510:client id="{9F6A232B-F8E0-4057-9249-951601A31C17}" v="1" dt="2024-11-20T17:43:21.293"/>
   </p1510:revLst>
 </p1510:revInfo>
 </file>
@@ -251,6 +247,59 @@
             </pc226:cmChg>
           </p:ext>
         </pc:extLst>
+      </pc:sldChg>
+    </pc:docChg>
+  </pc:docChgLst>
+  <pc:docChgLst>
+    <pc:chgData name="Maxwell,Daniel" userId="1b6ea79d-60d7-472e-a79a-e3fa9de1dfad" providerId="ADAL" clId="{80385205-4CC3-4D66-AE3F-4C938A1BC49F}"/>
+    <pc:docChg chg="delSld modSection">
+      <pc:chgData name="Maxwell,Daniel" userId="1b6ea79d-60d7-472e-a79a-e3fa9de1dfad" providerId="ADAL" clId="{80385205-4CC3-4D66-AE3F-4C938A1BC49F}" dt="2023-06-23T15:22:21.191" v="1" actId="47"/>
+      <pc:docMkLst>
+        <pc:docMk/>
+      </pc:docMkLst>
+      <pc:sldChg chg="del">
+        <pc:chgData name="Maxwell,Daniel" userId="1b6ea79d-60d7-472e-a79a-e3fa9de1dfad" providerId="ADAL" clId="{80385205-4CC3-4D66-AE3F-4C938A1BC49F}" dt="2023-06-23T15:22:21.191" v="1" actId="47"/>
+        <pc:sldMkLst>
+          <pc:docMk/>
+          <pc:sldMk cId="3356134786" sldId="302"/>
+        </pc:sldMkLst>
+      </pc:sldChg>
+      <pc:sldChg chg="del">
+        <pc:chgData name="Maxwell,Daniel" userId="1b6ea79d-60d7-472e-a79a-e3fa9de1dfad" providerId="ADAL" clId="{80385205-4CC3-4D66-AE3F-4C938A1BC49F}" dt="2023-06-23T15:22:14.635" v="0" actId="47"/>
+        <pc:sldMkLst>
+          <pc:docMk/>
+          <pc:sldMk cId="2944933400" sldId="346"/>
+        </pc:sldMkLst>
+      </pc:sldChg>
+    </pc:docChg>
+  </pc:docChgLst>
+  <pc:docChgLst>
+    <pc:chgData name="Lutticken,Ian" userId="7c924bd7-b15d-44ce-a55d-4f6ade4fe12e" providerId="ADAL" clId="{9F6A232B-F8E0-4057-9249-951601A31C17}"/>
+    <pc:docChg chg="delSld modSection">
+      <pc:chgData name="Lutticken,Ian" userId="7c924bd7-b15d-44ce-a55d-4f6ade4fe12e" providerId="ADAL" clId="{9F6A232B-F8E0-4057-9249-951601A31C17}" dt="2024-11-20T17:42:55.788" v="0" actId="47"/>
+      <pc:docMkLst>
+        <pc:docMk/>
+      </pc:docMkLst>
+      <pc:sldChg chg="del">
+        <pc:chgData name="Lutticken,Ian" userId="7c924bd7-b15d-44ce-a55d-4f6ade4fe12e" providerId="ADAL" clId="{9F6A232B-F8E0-4057-9249-951601A31C17}" dt="2024-11-20T17:42:55.788" v="0" actId="47"/>
+        <pc:sldMkLst>
+          <pc:docMk/>
+          <pc:sldMk cId="1362822165" sldId="332"/>
+        </pc:sldMkLst>
+      </pc:sldChg>
+      <pc:sldChg chg="del">
+        <pc:chgData name="Lutticken,Ian" userId="7c924bd7-b15d-44ce-a55d-4f6ade4fe12e" providerId="ADAL" clId="{9F6A232B-F8E0-4057-9249-951601A31C17}" dt="2024-11-20T17:42:55.788" v="0" actId="47"/>
+        <pc:sldMkLst>
+          <pc:docMk/>
+          <pc:sldMk cId="954048569" sldId="333"/>
+        </pc:sldMkLst>
+      </pc:sldChg>
+      <pc:sldChg chg="del">
+        <pc:chgData name="Lutticken,Ian" userId="7c924bd7-b15d-44ce-a55d-4f6ade4fe12e" providerId="ADAL" clId="{9F6A232B-F8E0-4057-9249-951601A31C17}" dt="2024-11-20T17:42:55.788" v="0" actId="47"/>
+        <pc:sldMkLst>
+          <pc:docMk/>
+          <pc:sldMk cId="144314383" sldId="334"/>
+        </pc:sldMkLst>
       </pc:sldChg>
     </pc:docChg>
   </pc:docChgLst>
@@ -443,29 +492,6 @@
             </pc226:cmChg>
           </p:ext>
         </pc:extLst>
-      </pc:sldChg>
-    </pc:docChg>
-  </pc:docChgLst>
-  <pc:docChgLst>
-    <pc:chgData name="Maxwell,Daniel" userId="1b6ea79d-60d7-472e-a79a-e3fa9de1dfad" providerId="ADAL" clId="{80385205-4CC3-4D66-AE3F-4C938A1BC49F}"/>
-    <pc:docChg chg="delSld modSection">
-      <pc:chgData name="Maxwell,Daniel" userId="1b6ea79d-60d7-472e-a79a-e3fa9de1dfad" providerId="ADAL" clId="{80385205-4CC3-4D66-AE3F-4C938A1BC49F}" dt="2023-06-23T15:22:21.191" v="1" actId="47"/>
-      <pc:docMkLst>
-        <pc:docMk/>
-      </pc:docMkLst>
-      <pc:sldChg chg="del">
-        <pc:chgData name="Maxwell,Daniel" userId="1b6ea79d-60d7-472e-a79a-e3fa9de1dfad" providerId="ADAL" clId="{80385205-4CC3-4D66-AE3F-4C938A1BC49F}" dt="2023-06-23T15:22:21.191" v="1" actId="47"/>
-        <pc:sldMkLst>
-          <pc:docMk/>
-          <pc:sldMk cId="3356134786" sldId="302"/>
-        </pc:sldMkLst>
-      </pc:sldChg>
-      <pc:sldChg chg="del">
-        <pc:chgData name="Maxwell,Daniel" userId="1b6ea79d-60d7-472e-a79a-e3fa9de1dfad" providerId="ADAL" clId="{80385205-4CC3-4D66-AE3F-4C938A1BC49F}" dt="2023-06-23T15:22:14.635" v="0" actId="47"/>
-        <pc:sldMkLst>
-          <pc:docMk/>
-          <pc:sldMk cId="2944933400" sldId="346"/>
-        </pc:sldMkLst>
       </pc:sldChg>
     </pc:docChg>
   </pc:docChgLst>
@@ -15207,7 +15233,7 @@
           <a:p>
             <a:fld id="{FD93C9B2-20F6-4DB1-B471-224337D0AC79}" type="datetimeFigureOut">
               <a:rPr lang="en-US" smtClean="0"/>
-              <a:t>11/30/2023</a:t>
+              <a:t>11/20/2024</a:t>
             </a:fld>
             <a:endParaRPr lang="en-US"/>
           </a:p>
@@ -16598,334 +16624,18 @@
           <a:bodyPr/>
           <a:lstStyle/>
           <a:p>
-            <a:pPr marL="0" indent="0" algn="l">
-              <a:buFont typeface="Courier New" panose="02070309020205020404" pitchFamily="49" charset="0"/>
-              <a:buNone/>
-            </a:pPr>
             <a:r>
-              <a:rPr lang="en-US" b="0" i="0">
-                <a:effectLst/>
-                <a:latin typeface="-apple-system"/>
-              </a:rPr>
-              <a:t>Moving on to the scatterplot.</a:t>
-            </a:r>
-          </a:p>
-          <a:p>
-            <a:pPr marL="0" indent="0" algn="l">
-              <a:buFont typeface="Courier New" panose="02070309020205020404" pitchFamily="49" charset="0"/>
-              <a:buNone/>
-            </a:pPr>
-            <a:endParaRPr lang="en-US" b="0" i="0">
-              <a:effectLst/>
-              <a:latin typeface="-apple-system"/>
-            </a:endParaRPr>
-          </a:p>
-          <a:p>
-            <a:pPr marL="171450" marR="0" lvl="0" indent="-171450" algn="l" defTabSz="914400" rtl="0" eaLnBrk="1" fontAlgn="auto" latinLnBrk="0" hangingPunct="1">
-              <a:lnSpc>
-                <a:spcPct val="100000"/>
-              </a:lnSpc>
-              <a:spcBef>
-                <a:spcPts val="0"/>
-              </a:spcBef>
-              <a:spcAft>
-                <a:spcPts val="0"/>
-              </a:spcAft>
-              <a:buClrTx/>
-              <a:buSzTx/>
-              <a:buFont typeface="Courier New" panose="02070309020205020404" pitchFamily="49" charset="0"/>
-              <a:buChar char="o"/>
-              <a:tabLst/>
-              <a:defRPr/>
-            </a:pPr>
-            <a:r>
-              <a:rPr lang="en-US" b="0" i="0">
-                <a:effectLst/>
-                <a:latin typeface="-apple-system"/>
-              </a:rPr>
-              <a:t>Here’s a sample line of code to create a basic scatterplot.</a:t>
-            </a:r>
-          </a:p>
-          <a:p>
-            <a:pPr marL="171450" marR="0" lvl="0" indent="-171450" algn="l" defTabSz="914400" rtl="0" eaLnBrk="1" fontAlgn="auto" latinLnBrk="0" hangingPunct="1">
-              <a:lnSpc>
-                <a:spcPct val="100000"/>
-              </a:lnSpc>
-              <a:spcBef>
-                <a:spcPts val="0"/>
-              </a:spcBef>
-              <a:spcAft>
-                <a:spcPts val="0"/>
-              </a:spcAft>
-              <a:buClrTx/>
-              <a:buSzTx/>
-              <a:buFont typeface="Courier New" panose="02070309020205020404" pitchFamily="49" charset="0"/>
-              <a:buChar char="o"/>
-              <a:tabLst/>
-              <a:defRPr/>
-            </a:pPr>
-            <a:r>
-              <a:rPr lang="en-US" b="0" i="0">
-                <a:effectLst/>
-                <a:latin typeface="-apple-system"/>
-              </a:rPr>
-              <a:t>And this is what you get when you execute that line of code.</a:t>
-            </a:r>
-          </a:p>
-          <a:p>
-            <a:pPr marL="0" marR="0" lvl="0" indent="0" algn="l" defTabSz="914400" rtl="0" eaLnBrk="1" fontAlgn="auto" latinLnBrk="0" hangingPunct="1">
-              <a:lnSpc>
-                <a:spcPct val="100000"/>
-              </a:lnSpc>
-              <a:spcBef>
-                <a:spcPts val="0"/>
-              </a:spcBef>
-              <a:spcAft>
-                <a:spcPts val="0"/>
-              </a:spcAft>
-              <a:buClrTx/>
-              <a:buSzTx/>
-              <a:buFont typeface="Courier New" panose="02070309020205020404" pitchFamily="49" charset="0"/>
-              <a:buNone/>
-              <a:tabLst/>
-              <a:defRPr/>
-            </a:pPr>
-            <a:endParaRPr lang="en-US" b="0" i="0">
-              <a:effectLst/>
-              <a:latin typeface="-apple-system"/>
-            </a:endParaRPr>
-          </a:p>
-          <a:p>
-            <a:pPr marL="0" marR="0" lvl="0" indent="0" algn="l" defTabSz="914400" rtl="0" eaLnBrk="1" fontAlgn="auto" latinLnBrk="0" hangingPunct="1">
-              <a:lnSpc>
-                <a:spcPct val="100000"/>
-              </a:lnSpc>
-              <a:spcBef>
-                <a:spcPts val="0"/>
-              </a:spcBef>
-              <a:spcAft>
-                <a:spcPts val="0"/>
-              </a:spcAft>
-              <a:buClrTx/>
-              <a:buSzTx/>
-              <a:buFont typeface="Courier New" panose="02070309020205020404" pitchFamily="49" charset="0"/>
-              <a:buNone/>
-              <a:tabLst/>
-              <a:defRPr/>
-            </a:pPr>
-            <a:r>
-              <a:rPr lang="en-US" sz="1800">
-                <a:effectLst/>
-                <a:latin typeface="Calibri" panose="020F0502020204030204" pitchFamily="34" charset="0"/>
-                <a:ea typeface="Calibri" panose="020F0502020204030204" pitchFamily="34" charset="0"/>
-                <a:cs typeface="Times New Roman" panose="02020603050405020304" pitchFamily="18" charset="0"/>
-              </a:rPr>
-              <a:t>Scatterplots are a nice way to identify possible distributions, look for outliers, and estimate correlations.  In this example and the one on the next slide, I do not plot a regression line.  But that can be added easily.</a:t>
-            </a:r>
-          </a:p>
-          <a:p>
-            <a:pPr marL="0" indent="0" algn="l">
-              <a:buFont typeface="Courier New" panose="02070309020205020404" pitchFamily="49" charset="0"/>
-              <a:buNone/>
-            </a:pPr>
-            <a:endParaRPr lang="en-US" b="0" i="0">
-              <a:effectLst/>
-              <a:latin typeface="-apple-system"/>
-            </a:endParaRPr>
-          </a:p>
-        </p:txBody>
-      </p:sp>
-      <p:sp>
-        <p:nvSpPr>
-          <p:cNvPr id="4" name="Slide Number Placeholder 3"/>
-          <p:cNvSpPr>
-            <a:spLocks noGrp="1"/>
-          </p:cNvSpPr>
-          <p:nvPr>
-            <p:ph type="sldNum" sz="quarter" idx="5"/>
-          </p:nvPr>
-        </p:nvSpPr>
-        <p:spPr/>
-        <p:txBody>
-          <a:bodyPr/>
-          <a:lstStyle/>
-          <a:p>
-            <a:fld id="{3148858F-F1DB-4027-9C85-CCA6849540DD}" type="slidenum">
-              <a:rPr lang="en-US" smtClean="0"/>
-              <a:t>16</a:t>
-            </a:fld>
-            <a:endParaRPr lang="en-US"/>
-          </a:p>
-        </p:txBody>
-      </p:sp>
-    </p:spTree>
-    <p:extLst>
-      <p:ext uri="{BB962C8B-B14F-4D97-AF65-F5344CB8AC3E}">
-        <p14:creationId xmlns:p14="http://schemas.microsoft.com/office/powerpoint/2010/main" val="354696637"/>
-      </p:ext>
-    </p:extLst>
-  </p:cSld>
-  <p:clrMapOvr>
-    <a:masterClrMapping/>
-  </p:clrMapOvr>
-</p:notes>
-</file>
-
-<file path=ppt/notesSlides/notesSlide17.xml><?xml version="1.0" encoding="utf-8"?>
-<p:notes xmlns:a="http://schemas.openxmlformats.org/drawingml/2006/main" xmlns:r="http://schemas.openxmlformats.org/officeDocument/2006/relationships" xmlns:p="http://schemas.openxmlformats.org/presentationml/2006/main">
-  <p:cSld>
-    <p:spTree>
-      <p:nvGrpSpPr>
-        <p:cNvPr id="1" name=""/>
-        <p:cNvGrpSpPr/>
-        <p:nvPr/>
-      </p:nvGrpSpPr>
-      <p:grpSpPr>
-        <a:xfrm>
-          <a:off x="0" y="0"/>
-          <a:ext cx="0" cy="0"/>
-          <a:chOff x="0" y="0"/>
-          <a:chExt cx="0" cy="0"/>
-        </a:xfrm>
-      </p:grpSpPr>
-      <p:sp>
-        <p:nvSpPr>
-          <p:cNvPr id="2" name="Slide Image Placeholder 1"/>
-          <p:cNvSpPr>
-            <a:spLocks noGrp="1" noRot="1" noChangeAspect="1"/>
-          </p:cNvSpPr>
-          <p:nvPr>
-            <p:ph type="sldImg"/>
-          </p:nvPr>
-        </p:nvSpPr>
-        <p:spPr/>
-      </p:sp>
-      <p:sp>
-        <p:nvSpPr>
-          <p:cNvPr id="3" name="Notes Placeholder 2"/>
-          <p:cNvSpPr>
-            <a:spLocks noGrp="1"/>
-          </p:cNvSpPr>
-          <p:nvPr>
-            <p:ph type="body" idx="1"/>
-          </p:nvPr>
-        </p:nvSpPr>
-        <p:spPr/>
-        <p:txBody>
-          <a:bodyPr/>
-          <a:lstStyle/>
-          <a:p>
-            <a:pPr marL="0" indent="0" algn="l">
-              <a:buFont typeface="Courier New" panose="02070309020205020404" pitchFamily="49" charset="0"/>
-              <a:buNone/>
-            </a:pPr>
-            <a:r>
-              <a:rPr lang="en-US" b="0" i="0">
-                <a:effectLst/>
-                <a:latin typeface="-apple-system"/>
-              </a:rPr>
-              <a:t>We can use Matplotlib to jazz up the simple scatterplot from the previous slide.  Matplotlib is a library that allows you to visualize your data in sophisticated ways. It’s a great tool.  And we cover this library more fully in our data workshop series.  But here, I just want to give you a brief introduction to it.</a:t>
-            </a:r>
-          </a:p>
-          <a:p>
-            <a:pPr marL="0" indent="0" algn="l">
-              <a:buFont typeface="Courier New" panose="02070309020205020404" pitchFamily="49" charset="0"/>
-              <a:buNone/>
-            </a:pPr>
-            <a:endParaRPr lang="en-US" b="0" i="0">
-              <a:effectLst/>
-              <a:latin typeface="-apple-system"/>
-            </a:endParaRPr>
-          </a:p>
-          <a:p>
-            <a:pPr marL="171450" marR="0" lvl="0" indent="-171450" algn="l" defTabSz="914400" rtl="0" eaLnBrk="1" fontAlgn="auto" latinLnBrk="0" hangingPunct="1">
-              <a:lnSpc>
-                <a:spcPct val="100000"/>
-              </a:lnSpc>
-              <a:spcBef>
-                <a:spcPts val="0"/>
-              </a:spcBef>
-              <a:spcAft>
-                <a:spcPts val="0"/>
-              </a:spcAft>
-              <a:buClrTx/>
-              <a:buSzTx/>
-              <a:buFont typeface="Courier New" panose="02070309020205020404" pitchFamily="49" charset="0"/>
-              <a:buChar char="o"/>
-              <a:tabLst/>
-              <a:defRPr/>
-            </a:pPr>
-            <a:r>
-              <a:rPr lang="en-US" b="0" i="0">
-                <a:effectLst/>
-                <a:latin typeface="-apple-system"/>
-              </a:rPr>
-              <a:t>Again, here’s a block of code to create a scatterplot.  Note the additional methods available to us – grid(), title(), </a:t>
+              <a:rPr lang="en-US" dirty="0"/>
+              <a:t>One quick note, </a:t>
             </a:r>
             <a:r>
-              <a:rPr lang="en-US" b="0" i="0" err="1">
-                <a:effectLst/>
-                <a:latin typeface="-apple-system"/>
-              </a:rPr>
-              <a:t>xlabel</a:t>
+              <a:rPr lang="en-US" dirty="0" err="1"/>
+              <a:t>Plotnine</a:t>
             </a:r>
             <a:r>
-              <a:rPr lang="en-US" b="0" i="0">
-                <a:effectLst/>
-                <a:latin typeface="-apple-system"/>
-              </a:rPr>
-              <a:t>(), and </a:t>
+              <a:rPr lang="en-US" dirty="0"/>
+              <a:t> is on version 0.14.1, not 0.12.4!</a:t>
             </a:r>
-            <a:r>
-              <a:rPr lang="en-US" b="0" i="0" err="1">
-                <a:effectLst/>
-                <a:latin typeface="-apple-system"/>
-              </a:rPr>
-              <a:t>ylabel</a:t>
-            </a:r>
-            <a:r>
-              <a:rPr lang="en-US" b="0" i="0">
-                <a:effectLst/>
-                <a:latin typeface="-apple-system"/>
-              </a:rPr>
-              <a:t>().</a:t>
-            </a:r>
-          </a:p>
-          <a:p>
-            <a:pPr marL="171450" marR="0" lvl="0" indent="-171450" algn="l" defTabSz="914400" rtl="0" eaLnBrk="1" fontAlgn="auto" latinLnBrk="0" hangingPunct="1">
-              <a:lnSpc>
-                <a:spcPct val="100000"/>
-              </a:lnSpc>
-              <a:spcBef>
-                <a:spcPts val="0"/>
-              </a:spcBef>
-              <a:spcAft>
-                <a:spcPts val="0"/>
-              </a:spcAft>
-              <a:buClrTx/>
-              <a:buSzTx/>
-              <a:buFont typeface="Courier New" panose="02070309020205020404" pitchFamily="49" charset="0"/>
-              <a:buChar char="o"/>
-              <a:tabLst/>
-              <a:defRPr/>
-            </a:pPr>
-            <a:r>
-              <a:rPr lang="en-US" b="0" i="0">
-                <a:effectLst/>
-                <a:latin typeface="-apple-system"/>
-              </a:rPr>
-              <a:t>And here’s what this block of code produces when you execute it…</a:t>
-            </a:r>
-          </a:p>
-          <a:p>
-            <a:pPr marL="0" indent="0" algn="l">
-              <a:buFont typeface="Courier New" panose="02070309020205020404" pitchFamily="49" charset="0"/>
-              <a:buNone/>
-            </a:pPr>
-            <a:endParaRPr lang="en-US" b="0" i="0">
-              <a:effectLst/>
-              <a:latin typeface="-apple-system"/>
-            </a:endParaRPr>
           </a:p>
         </p:txBody>
       </p:sp>
@@ -16955,7 +16665,7 @@
     </p:spTree>
     <p:extLst>
       <p:ext uri="{BB962C8B-B14F-4D97-AF65-F5344CB8AC3E}">
-        <p14:creationId xmlns:p14="http://schemas.microsoft.com/office/powerpoint/2010/main" val="4155343272"/>
+        <p14:creationId xmlns:p14="http://schemas.microsoft.com/office/powerpoint/2010/main" val="3139519981"/>
       </p:ext>
     </p:extLst>
   </p:cSld>
@@ -16965,102 +16675,7 @@
 </p:notes>
 </file>
 
-<file path=ppt/notesSlides/notesSlide18.xml><?xml version="1.0" encoding="utf-8"?>
-<p:notes xmlns:a="http://schemas.openxmlformats.org/drawingml/2006/main" xmlns:r="http://schemas.openxmlformats.org/officeDocument/2006/relationships" xmlns:p="http://schemas.openxmlformats.org/presentationml/2006/main">
-  <p:cSld>
-    <p:spTree>
-      <p:nvGrpSpPr>
-        <p:cNvPr id="1" name=""/>
-        <p:cNvGrpSpPr/>
-        <p:nvPr/>
-      </p:nvGrpSpPr>
-      <p:grpSpPr>
-        <a:xfrm>
-          <a:off x="0" y="0"/>
-          <a:ext cx="0" cy="0"/>
-          <a:chOff x="0" y="0"/>
-          <a:chExt cx="0" cy="0"/>
-        </a:xfrm>
-      </p:grpSpPr>
-      <p:sp>
-        <p:nvSpPr>
-          <p:cNvPr id="2" name="Slide Image Placeholder 1"/>
-          <p:cNvSpPr>
-            <a:spLocks noGrp="1" noRot="1" noChangeAspect="1"/>
-          </p:cNvSpPr>
-          <p:nvPr>
-            <p:ph type="sldImg"/>
-          </p:nvPr>
-        </p:nvSpPr>
-        <p:spPr/>
-      </p:sp>
-      <p:sp>
-        <p:nvSpPr>
-          <p:cNvPr id="3" name="Notes Placeholder 2"/>
-          <p:cNvSpPr>
-            <a:spLocks noGrp="1"/>
-          </p:cNvSpPr>
-          <p:nvPr>
-            <p:ph type="body" idx="1"/>
-          </p:nvPr>
-        </p:nvSpPr>
-        <p:spPr/>
-        <p:txBody>
-          <a:bodyPr/>
-          <a:lstStyle/>
-          <a:p>
-            <a:r>
-              <a:rPr lang="en-US"/>
-              <a:t>After creating a visualization, you may want to save your plot to a file.  And the </a:t>
-            </a:r>
-            <a:r>
-              <a:rPr lang="en-US" err="1"/>
-              <a:t>savefig</a:t>
-            </a:r>
-            <a:r>
-              <a:rPr lang="en-US"/>
-              <a:t>() method allows you to do that.</a:t>
-            </a:r>
-          </a:p>
-        </p:txBody>
-      </p:sp>
-      <p:sp>
-        <p:nvSpPr>
-          <p:cNvPr id="4" name="Slide Number Placeholder 3"/>
-          <p:cNvSpPr>
-            <a:spLocks noGrp="1"/>
-          </p:cNvSpPr>
-          <p:nvPr>
-            <p:ph type="sldNum" sz="quarter" idx="5"/>
-          </p:nvPr>
-        </p:nvSpPr>
-        <p:spPr/>
-        <p:txBody>
-          <a:bodyPr/>
-          <a:lstStyle/>
-          <a:p>
-            <a:fld id="{3148858F-F1DB-4027-9C85-CCA6849540DD}" type="slidenum">
-              <a:rPr lang="en-US" smtClean="0"/>
-              <a:t>18</a:t>
-            </a:fld>
-            <a:endParaRPr lang="en-US"/>
-          </a:p>
-        </p:txBody>
-      </p:sp>
-    </p:spTree>
-    <p:extLst>
-      <p:ext uri="{BB962C8B-B14F-4D97-AF65-F5344CB8AC3E}">
-        <p14:creationId xmlns:p14="http://schemas.microsoft.com/office/powerpoint/2010/main" val="1643425928"/>
-      </p:ext>
-    </p:extLst>
-  </p:cSld>
-  <p:clrMapOvr>
-    <a:masterClrMapping/>
-  </p:clrMapOvr>
-</p:notes>
-</file>
-
-<file path=ppt/notesSlides/notesSlide19.xml><?xml version="1.0" encoding="utf-8"?>
+<file path=ppt/notesSlides/notesSlide17.xml><?xml version="1.0" encoding="utf-8"?>
 <p:notes xmlns:a="http://schemas.openxmlformats.org/drawingml/2006/main" xmlns:r="http://schemas.openxmlformats.org/officeDocument/2006/relationships" xmlns:p="http://schemas.openxmlformats.org/presentationml/2006/main">
   <p:cSld>
     <p:spTree>
@@ -17128,7 +16743,7 @@
           <a:p>
             <a:fld id="{3148858F-F1DB-4027-9C85-CCA6849540DD}" type="slidenum">
               <a:rPr lang="en-US" smtClean="0"/>
-              <a:t>19</a:t>
+              <a:t>18</a:t>
             </a:fld>
             <a:endParaRPr lang="en-US"/>
           </a:p>
@@ -18978,7 +18593,7 @@
           <a:p>
             <a:fld id="{C3F78080-8D0A-4BE8-A5B4-CB115102D524}" type="datetimeFigureOut">
               <a:rPr lang="en-US" smtClean="0"/>
-              <a:t>11/30/2023</a:t>
+              <a:t>11/20/2024</a:t>
             </a:fld>
             <a:endParaRPr lang="en-US"/>
           </a:p>
@@ -19146,7 +18761,7 @@
           <a:p>
             <a:fld id="{C3F78080-8D0A-4BE8-A5B4-CB115102D524}" type="datetimeFigureOut">
               <a:rPr lang="en-US" smtClean="0"/>
-              <a:t>11/30/2023</a:t>
+              <a:t>11/20/2024</a:t>
             </a:fld>
             <a:endParaRPr lang="en-US"/>
           </a:p>
@@ -19324,7 +18939,7 @@
           <a:p>
             <a:fld id="{C3F78080-8D0A-4BE8-A5B4-CB115102D524}" type="datetimeFigureOut">
               <a:rPr lang="en-US" smtClean="0"/>
-              <a:t>11/30/2023</a:t>
+              <a:t>11/20/2024</a:t>
             </a:fld>
             <a:endParaRPr lang="en-US"/>
           </a:p>
@@ -19492,7 +19107,7 @@
           <a:p>
             <a:fld id="{C3F78080-8D0A-4BE8-A5B4-CB115102D524}" type="datetimeFigureOut">
               <a:rPr lang="en-US" smtClean="0"/>
-              <a:t>11/30/2023</a:t>
+              <a:t>11/20/2024</a:t>
             </a:fld>
             <a:endParaRPr lang="en-US"/>
           </a:p>
@@ -19737,7 +19352,7 @@
           <a:p>
             <a:fld id="{C3F78080-8D0A-4BE8-A5B4-CB115102D524}" type="datetimeFigureOut">
               <a:rPr lang="en-US" smtClean="0"/>
-              <a:t>11/30/2023</a:t>
+              <a:t>11/20/2024</a:t>
             </a:fld>
             <a:endParaRPr lang="en-US"/>
           </a:p>
@@ -19966,7 +19581,7 @@
           <a:p>
             <a:fld id="{C3F78080-8D0A-4BE8-A5B4-CB115102D524}" type="datetimeFigureOut">
               <a:rPr lang="en-US" smtClean="0"/>
-              <a:t>11/30/2023</a:t>
+              <a:t>11/20/2024</a:t>
             </a:fld>
             <a:endParaRPr lang="en-US"/>
           </a:p>
@@ -20330,7 +19945,7 @@
           <a:p>
             <a:fld id="{C3F78080-8D0A-4BE8-A5B4-CB115102D524}" type="datetimeFigureOut">
               <a:rPr lang="en-US" smtClean="0"/>
-              <a:t>11/30/2023</a:t>
+              <a:t>11/20/2024</a:t>
             </a:fld>
             <a:endParaRPr lang="en-US"/>
           </a:p>
@@ -20447,7 +20062,7 @@
           <a:p>
             <a:fld id="{C3F78080-8D0A-4BE8-A5B4-CB115102D524}" type="datetimeFigureOut">
               <a:rPr lang="en-US" smtClean="0"/>
-              <a:t>11/30/2023</a:t>
+              <a:t>11/20/2024</a:t>
             </a:fld>
             <a:endParaRPr lang="en-US"/>
           </a:p>
@@ -20542,7 +20157,7 @@
           <a:p>
             <a:fld id="{C3F78080-8D0A-4BE8-A5B4-CB115102D524}" type="datetimeFigureOut">
               <a:rPr lang="en-US" smtClean="0"/>
-              <a:t>11/30/2023</a:t>
+              <a:t>11/20/2024</a:t>
             </a:fld>
             <a:endParaRPr lang="en-US"/>
           </a:p>
@@ -20817,7 +20432,7 @@
           <a:p>
             <a:fld id="{C3F78080-8D0A-4BE8-A5B4-CB115102D524}" type="datetimeFigureOut">
               <a:rPr lang="en-US" smtClean="0"/>
-              <a:t>11/30/2023</a:t>
+              <a:t>11/20/2024</a:t>
             </a:fld>
             <a:endParaRPr lang="en-US"/>
           </a:p>
@@ -21072,7 +20687,7 @@
           <a:p>
             <a:fld id="{C3F78080-8D0A-4BE8-A5B4-CB115102D524}" type="datetimeFigureOut">
               <a:rPr lang="en-US" smtClean="0"/>
-              <a:t>11/30/2023</a:t>
+              <a:t>11/20/2024</a:t>
             </a:fld>
             <a:endParaRPr lang="en-US"/>
           </a:p>
@@ -21283,7 +20898,7 @@
           <a:p>
             <a:fld id="{C3F78080-8D0A-4BE8-A5B4-CB115102D524}" type="datetimeFigureOut">
               <a:rPr lang="en-US" smtClean="0"/>
-              <a:t>11/30/2023</a:t>
+              <a:t>11/20/2024</a:t>
             </a:fld>
             <a:endParaRPr lang="en-US"/>
           </a:p>
@@ -29893,10 +29508,10 @@
       </p:grpSpPr>
       <p:pic>
         <p:nvPicPr>
-          <p:cNvPr id="7" name="Picture 6">
+          <p:cNvPr id="3" name="Picture 2">
             <a:extLst>
               <a:ext uri="{FF2B5EF4-FFF2-40B4-BE49-F238E27FC236}">
-                <a16:creationId xmlns:a16="http://schemas.microsoft.com/office/drawing/2014/main" id="{BA14FA76-CD9B-73FF-2739-47CEE8172908}"/>
+                <a16:creationId xmlns:a16="http://schemas.microsoft.com/office/drawing/2014/main" id="{B7B09F56-71AE-6DC4-BA25-DC2AEA82EC3B}"/>
               </a:ext>
               <a:ext uri="{C183D7F6-B498-43B3-948B-1728B52AA6E4}">
                 <adec:decorative xmlns:adec="http://schemas.microsoft.com/office/drawing/2017/decorative" val="1"/>
@@ -29909,7 +29524,770 @@
           <p:nvPr/>
         </p:nvPicPr>
         <p:blipFill>
+          <a:blip r:embed="rId2">
+            <a:extLst>
+              <a:ext uri="{28A0092B-C50C-407E-A947-70E740481C1C}">
+                <a14:useLocalDpi xmlns:a14="http://schemas.microsoft.com/office/drawing/2010/main" val="0"/>
+              </a:ext>
+            </a:extLst>
+          </a:blip>
+          <a:stretch>
+            <a:fillRect/>
+          </a:stretch>
+        </p:blipFill>
+        <p:spPr>
+          <a:xfrm>
+            <a:off x="11378037" y="6031948"/>
+            <a:ext cx="800100" cy="812800"/>
+          </a:xfrm>
+          <a:prstGeom prst="rect">
+            <a:avLst/>
+          </a:prstGeom>
+        </p:spPr>
+      </p:pic>
+      <p:sp>
+        <p:nvSpPr>
+          <p:cNvPr id="2" name="Title 1">
+            <a:extLst>
+              <a:ext uri="{FF2B5EF4-FFF2-40B4-BE49-F238E27FC236}">
+                <a16:creationId xmlns:a16="http://schemas.microsoft.com/office/drawing/2014/main" id="{8AD59486-49DD-8F1E-3128-41BCC0FF9C3D}"/>
+              </a:ext>
+            </a:extLst>
+          </p:cNvPr>
+          <p:cNvSpPr>
+            <a:spLocks noGrp="1"/>
+          </p:cNvSpPr>
+          <p:nvPr>
+            <p:ph type="title"/>
+          </p:nvPr>
+        </p:nvSpPr>
+        <p:spPr/>
+        <p:txBody>
+          <a:bodyPr>
+            <a:normAutofit/>
+          </a:bodyPr>
+          <a:lstStyle/>
+          <a:p>
+            <a:pPr algn="ctr"/>
+            <a:r>
+              <a:rPr lang="en-US" sz="4000" b="1" dirty="0">
+                <a:latin typeface="Avenir"/>
+              </a:rPr>
+              <a:t>Pandas Chart Types</a:t>
+            </a:r>
+          </a:p>
+        </p:txBody>
+      </p:sp>
+      <p:pic>
+        <p:nvPicPr>
+          <p:cNvPr id="1026" name="Picture 2">
+            <a:extLst>
+              <a:ext uri="{FF2B5EF4-FFF2-40B4-BE49-F238E27FC236}">
+                <a16:creationId xmlns:a16="http://schemas.microsoft.com/office/drawing/2014/main" id="{9002D915-4499-6A41-AF19-E4EE1C9BC23B}"/>
+              </a:ext>
+            </a:extLst>
+          </p:cNvPr>
+          <p:cNvPicPr>
+            <a:picLocks noChangeAspect="1" noChangeArrowheads="1"/>
+          </p:cNvPicPr>
+          <p:nvPr/>
+        </p:nvPicPr>
+        <p:blipFill>
+          <a:blip r:embed="rId3">
+            <a:extLst>
+              <a:ext uri="{28A0092B-C50C-407E-A947-70E740481C1C}">
+                <a14:useLocalDpi xmlns:a14="http://schemas.microsoft.com/office/drawing/2010/main" val="0"/>
+              </a:ext>
+            </a:extLst>
+          </a:blip>
+          <a:srcRect/>
+          <a:stretch>
+            <a:fillRect/>
+          </a:stretch>
+        </p:blipFill>
+        <p:spPr bwMode="auto">
+          <a:xfrm>
+            <a:off x="445477" y="1365738"/>
+            <a:ext cx="2438400" cy="1828800"/>
+          </a:xfrm>
+          <a:prstGeom prst="rect">
+            <a:avLst/>
+          </a:prstGeom>
+          <a:noFill/>
+          <a:extLst>
+            <a:ext uri="{909E8E84-426E-40DD-AFC4-6F175D3DCCD1}">
+              <a14:hiddenFill xmlns:a14="http://schemas.microsoft.com/office/drawing/2010/main">
+                <a:solidFill>
+                  <a:srgbClr val="FFFFFF"/>
+                </a:solidFill>
+              </a14:hiddenFill>
+            </a:ext>
+          </a:extLst>
+        </p:spPr>
+      </p:pic>
+      <p:sp>
+        <p:nvSpPr>
+          <p:cNvPr id="4" name="TextBox 3">
+            <a:extLst>
+              <a:ext uri="{FF2B5EF4-FFF2-40B4-BE49-F238E27FC236}">
+                <a16:creationId xmlns:a16="http://schemas.microsoft.com/office/drawing/2014/main" id="{E281C96E-F67C-8085-CC94-C6E8B774AA47}"/>
+              </a:ext>
+            </a:extLst>
+          </p:cNvPr>
+          <p:cNvSpPr txBox="1"/>
+          <p:nvPr/>
+        </p:nvSpPr>
+        <p:spPr>
+          <a:xfrm>
+            <a:off x="1386156" y="3192194"/>
+            <a:ext cx="497252" cy="369332"/>
+          </a:xfrm>
+          <a:prstGeom prst="rect">
+            <a:avLst/>
+          </a:prstGeom>
+          <a:noFill/>
+        </p:spPr>
+        <p:txBody>
+          <a:bodyPr wrap="none" rtlCol="0">
+            <a:spAutoFit/>
+          </a:bodyPr>
+          <a:lstStyle/>
+          <a:p>
+            <a:r>
+              <a:rPr lang="en-US" dirty="0"/>
+              <a:t>bar</a:t>
+            </a:r>
+          </a:p>
+        </p:txBody>
+      </p:sp>
+      <p:sp>
+        <p:nvSpPr>
+          <p:cNvPr id="5" name="TextBox 4">
+            <a:extLst>
+              <a:ext uri="{FF2B5EF4-FFF2-40B4-BE49-F238E27FC236}">
+                <a16:creationId xmlns:a16="http://schemas.microsoft.com/office/drawing/2014/main" id="{3A0B18F5-C6FE-C555-CBCB-6BA471CD9009}"/>
+              </a:ext>
+            </a:extLst>
+          </p:cNvPr>
+          <p:cNvSpPr txBox="1"/>
+          <p:nvPr/>
+        </p:nvSpPr>
+        <p:spPr>
+          <a:xfrm>
+            <a:off x="4318269" y="3244334"/>
+            <a:ext cx="668534" cy="369332"/>
+          </a:xfrm>
+          <a:prstGeom prst="rect">
+            <a:avLst/>
+          </a:prstGeom>
+          <a:noFill/>
+        </p:spPr>
+        <p:txBody>
+          <a:bodyPr wrap="square" rtlCol="0">
+            <a:spAutoFit/>
+          </a:bodyPr>
+          <a:lstStyle/>
+          <a:p>
+            <a:r>
+              <a:rPr lang="en-US" dirty="0"/>
+              <a:t>hist</a:t>
+            </a:r>
+          </a:p>
+        </p:txBody>
+      </p:sp>
+      <p:sp>
+        <p:nvSpPr>
+          <p:cNvPr id="6" name="TextBox 5">
+            <a:extLst>
+              <a:ext uri="{FF2B5EF4-FFF2-40B4-BE49-F238E27FC236}">
+                <a16:creationId xmlns:a16="http://schemas.microsoft.com/office/drawing/2014/main" id="{96462699-A150-1F69-187F-B23B08D7E270}"/>
+              </a:ext>
+            </a:extLst>
+          </p:cNvPr>
+          <p:cNvSpPr txBox="1"/>
+          <p:nvPr/>
+        </p:nvSpPr>
+        <p:spPr>
+          <a:xfrm>
+            <a:off x="6871821" y="3244334"/>
+            <a:ext cx="523220" cy="369332"/>
+          </a:xfrm>
+          <a:prstGeom prst="rect">
+            <a:avLst/>
+          </a:prstGeom>
+          <a:noFill/>
+        </p:spPr>
+        <p:txBody>
+          <a:bodyPr wrap="none" rtlCol="0">
+            <a:spAutoFit/>
+          </a:bodyPr>
+          <a:lstStyle/>
+          <a:p>
+            <a:r>
+              <a:rPr lang="en-US" dirty="0"/>
+              <a:t>box</a:t>
+            </a:r>
+          </a:p>
+        </p:txBody>
+      </p:sp>
+      <p:sp>
+        <p:nvSpPr>
+          <p:cNvPr id="7" name="TextBox 6">
+            <a:extLst>
+              <a:ext uri="{FF2B5EF4-FFF2-40B4-BE49-F238E27FC236}">
+                <a16:creationId xmlns:a16="http://schemas.microsoft.com/office/drawing/2014/main" id="{DB74DCD0-D9ED-9AD1-75C5-EB2DE9B8987F}"/>
+              </a:ext>
+            </a:extLst>
+          </p:cNvPr>
+          <p:cNvSpPr txBox="1"/>
+          <p:nvPr/>
+        </p:nvSpPr>
+        <p:spPr>
+          <a:xfrm>
+            <a:off x="9779702" y="6405164"/>
+            <a:ext cx="1540102" cy="646331"/>
+          </a:xfrm>
+          <a:prstGeom prst="rect">
+            <a:avLst/>
+          </a:prstGeom>
+          <a:noFill/>
+        </p:spPr>
+        <p:txBody>
+          <a:bodyPr wrap="none" rtlCol="0">
+            <a:spAutoFit/>
+          </a:bodyPr>
+          <a:lstStyle/>
+          <a:p>
+            <a:r>
+              <a:rPr lang="en-US" dirty="0" err="1"/>
+              <a:t>scatter_matrix</a:t>
+            </a:r>
+            <a:endParaRPr lang="en-US" dirty="0"/>
+          </a:p>
+          <a:p>
+            <a:endParaRPr lang="en-US" dirty="0"/>
+          </a:p>
+        </p:txBody>
+      </p:sp>
+      <p:sp>
+        <p:nvSpPr>
+          <p:cNvPr id="8" name="TextBox 7">
+            <a:extLst>
+              <a:ext uri="{FF2B5EF4-FFF2-40B4-BE49-F238E27FC236}">
+                <a16:creationId xmlns:a16="http://schemas.microsoft.com/office/drawing/2014/main" id="{52E40586-13A0-B8B8-8DC4-AE6776E784C4}"/>
+              </a:ext>
+            </a:extLst>
+          </p:cNvPr>
+          <p:cNvSpPr txBox="1"/>
+          <p:nvPr/>
+        </p:nvSpPr>
+        <p:spPr>
+          <a:xfrm>
+            <a:off x="9779702" y="3199620"/>
+            <a:ext cx="1003279" cy="369332"/>
+          </a:xfrm>
+          <a:prstGeom prst="rect">
+            <a:avLst/>
+          </a:prstGeom>
+          <a:noFill/>
+        </p:spPr>
+        <p:txBody>
+          <a:bodyPr wrap="square" rtlCol="0">
+            <a:spAutoFit/>
+          </a:bodyPr>
+          <a:lstStyle/>
+          <a:p>
+            <a:r>
+              <a:rPr lang="en-US" dirty="0"/>
+              <a:t>area</a:t>
+            </a:r>
+          </a:p>
+        </p:txBody>
+      </p:sp>
+      <p:sp>
+        <p:nvSpPr>
+          <p:cNvPr id="9" name="TextBox 8">
+            <a:extLst>
+              <a:ext uri="{FF2B5EF4-FFF2-40B4-BE49-F238E27FC236}">
+                <a16:creationId xmlns:a16="http://schemas.microsoft.com/office/drawing/2014/main" id="{23DE847E-566D-57BD-B7FC-622A5C4DEFAB}"/>
+              </a:ext>
+            </a:extLst>
+          </p:cNvPr>
+          <p:cNvSpPr txBox="1"/>
+          <p:nvPr/>
+        </p:nvSpPr>
+        <p:spPr>
+          <a:xfrm>
+            <a:off x="1272761" y="5872158"/>
+            <a:ext cx="822469" cy="369332"/>
+          </a:xfrm>
+          <a:prstGeom prst="rect">
+            <a:avLst/>
+          </a:prstGeom>
+          <a:noFill/>
+        </p:spPr>
+        <p:txBody>
+          <a:bodyPr wrap="none" rtlCol="0">
+            <a:spAutoFit/>
+          </a:bodyPr>
+          <a:lstStyle/>
+          <a:p>
+            <a:r>
+              <a:rPr lang="en-US" dirty="0"/>
+              <a:t>scatter</a:t>
+            </a:r>
+          </a:p>
+        </p:txBody>
+      </p:sp>
+      <p:sp>
+        <p:nvSpPr>
+          <p:cNvPr id="10" name="TextBox 9">
+            <a:extLst>
+              <a:ext uri="{FF2B5EF4-FFF2-40B4-BE49-F238E27FC236}">
+                <a16:creationId xmlns:a16="http://schemas.microsoft.com/office/drawing/2014/main" id="{430AC426-2EBE-9E53-5411-6DBF1C4AFC20}"/>
+              </a:ext>
+            </a:extLst>
+          </p:cNvPr>
+          <p:cNvSpPr txBox="1"/>
+          <p:nvPr/>
+        </p:nvSpPr>
+        <p:spPr>
+          <a:xfrm>
+            <a:off x="3835951" y="5884306"/>
+            <a:ext cx="1162807" cy="369332"/>
+          </a:xfrm>
+          <a:prstGeom prst="rect">
+            <a:avLst/>
+          </a:prstGeom>
+          <a:noFill/>
+        </p:spPr>
+        <p:txBody>
+          <a:bodyPr wrap="square" rtlCol="0">
+            <a:spAutoFit/>
+          </a:bodyPr>
+          <a:lstStyle/>
+          <a:p>
+            <a:r>
+              <a:rPr lang="en-US" dirty="0" err="1"/>
+              <a:t>hexbin</a:t>
+            </a:r>
+            <a:endParaRPr lang="en-US" dirty="0"/>
+          </a:p>
+        </p:txBody>
+      </p:sp>
+      <p:sp>
+        <p:nvSpPr>
+          <p:cNvPr id="11" name="TextBox 10">
+            <a:extLst>
+              <a:ext uri="{FF2B5EF4-FFF2-40B4-BE49-F238E27FC236}">
+                <a16:creationId xmlns:a16="http://schemas.microsoft.com/office/drawing/2014/main" id="{83B7486A-BB39-84D7-DFAC-EF0B391FC648}"/>
+              </a:ext>
+            </a:extLst>
+          </p:cNvPr>
+          <p:cNvSpPr txBox="1"/>
+          <p:nvPr/>
+        </p:nvSpPr>
+        <p:spPr>
+          <a:xfrm>
+            <a:off x="7001124" y="5802401"/>
+            <a:ext cx="794246" cy="369332"/>
+          </a:xfrm>
+          <a:prstGeom prst="rect">
+            <a:avLst/>
+          </a:prstGeom>
+          <a:noFill/>
+        </p:spPr>
+        <p:txBody>
+          <a:bodyPr wrap="square" rtlCol="0">
+            <a:spAutoFit/>
+          </a:bodyPr>
+          <a:lstStyle/>
+          <a:p>
+            <a:r>
+              <a:rPr lang="en-US" dirty="0"/>
+              <a:t>pie</a:t>
+            </a:r>
+          </a:p>
+        </p:txBody>
+      </p:sp>
+      <p:pic>
+        <p:nvPicPr>
+          <p:cNvPr id="1028" name="Picture 4">
+            <a:extLst>
+              <a:ext uri="{FF2B5EF4-FFF2-40B4-BE49-F238E27FC236}">
+                <a16:creationId xmlns:a16="http://schemas.microsoft.com/office/drawing/2014/main" id="{33BFC4E9-CC3A-4261-FD6F-02FDC4B94F1E}"/>
+              </a:ext>
+            </a:extLst>
+          </p:cNvPr>
+          <p:cNvPicPr>
+            <a:picLocks noChangeAspect="1" noChangeArrowheads="1"/>
+          </p:cNvPicPr>
+          <p:nvPr/>
+        </p:nvPicPr>
+        <p:blipFill>
           <a:blip r:embed="rId4">
+            <a:extLst>
+              <a:ext uri="{28A0092B-C50C-407E-A947-70E740481C1C}">
+                <a14:useLocalDpi xmlns:a14="http://schemas.microsoft.com/office/drawing/2010/main" val="0"/>
+              </a:ext>
+            </a:extLst>
+          </a:blip>
+          <a:srcRect/>
+          <a:stretch>
+            <a:fillRect/>
+          </a:stretch>
+        </p:blipFill>
+        <p:spPr bwMode="auto">
+          <a:xfrm>
+            <a:off x="3222665" y="1365738"/>
+            <a:ext cx="2438400" cy="1828800"/>
+          </a:xfrm>
+          <a:prstGeom prst="rect">
+            <a:avLst/>
+          </a:prstGeom>
+          <a:noFill/>
+          <a:extLst>
+            <a:ext uri="{909E8E84-426E-40DD-AFC4-6F175D3DCCD1}">
+              <a14:hiddenFill xmlns:a14="http://schemas.microsoft.com/office/drawing/2010/main">
+                <a:solidFill>
+                  <a:srgbClr val="FFFFFF"/>
+                </a:solidFill>
+              </a14:hiddenFill>
+            </a:ext>
+          </a:extLst>
+        </p:spPr>
+      </p:pic>
+      <p:pic>
+        <p:nvPicPr>
+          <p:cNvPr id="1030" name="Picture 6">
+            <a:extLst>
+              <a:ext uri="{FF2B5EF4-FFF2-40B4-BE49-F238E27FC236}">
+                <a16:creationId xmlns:a16="http://schemas.microsoft.com/office/drawing/2014/main" id="{C2F6B8EB-1816-FA4D-1D82-41382DB75E6F}"/>
+              </a:ext>
+            </a:extLst>
+          </p:cNvPr>
+          <p:cNvPicPr>
+            <a:picLocks noChangeAspect="1" noChangeArrowheads="1"/>
+          </p:cNvPicPr>
+          <p:nvPr/>
+        </p:nvPicPr>
+        <p:blipFill>
+          <a:blip r:embed="rId5">
+            <a:extLst>
+              <a:ext uri="{28A0092B-C50C-407E-A947-70E740481C1C}">
+                <a14:useLocalDpi xmlns:a14="http://schemas.microsoft.com/office/drawing/2010/main" val="0"/>
+              </a:ext>
+            </a:extLst>
+          </a:blip>
+          <a:srcRect/>
+          <a:stretch>
+            <a:fillRect/>
+          </a:stretch>
+        </p:blipFill>
+        <p:spPr bwMode="auto">
+          <a:xfrm>
+            <a:off x="5999853" y="1365738"/>
+            <a:ext cx="2438400" cy="1828800"/>
+          </a:xfrm>
+          <a:prstGeom prst="rect">
+            <a:avLst/>
+          </a:prstGeom>
+          <a:noFill/>
+          <a:extLst>
+            <a:ext uri="{909E8E84-426E-40DD-AFC4-6F175D3DCCD1}">
+              <a14:hiddenFill xmlns:a14="http://schemas.microsoft.com/office/drawing/2010/main">
+                <a:solidFill>
+                  <a:srgbClr val="FFFFFF"/>
+                </a:solidFill>
+              </a14:hiddenFill>
+            </a:ext>
+          </a:extLst>
+        </p:spPr>
+      </p:pic>
+      <p:pic>
+        <p:nvPicPr>
+          <p:cNvPr id="1032" name="Picture 8">
+            <a:extLst>
+              <a:ext uri="{FF2B5EF4-FFF2-40B4-BE49-F238E27FC236}">
+                <a16:creationId xmlns:a16="http://schemas.microsoft.com/office/drawing/2014/main" id="{C496B216-0239-64CB-D9D8-DB36FC406188}"/>
+              </a:ext>
+            </a:extLst>
+          </p:cNvPr>
+          <p:cNvPicPr>
+            <a:picLocks noChangeAspect="1" noChangeArrowheads="1"/>
+          </p:cNvPicPr>
+          <p:nvPr/>
+        </p:nvPicPr>
+        <p:blipFill>
+          <a:blip r:embed="rId6">
+            <a:extLst>
+              <a:ext uri="{28A0092B-C50C-407E-A947-70E740481C1C}">
+                <a14:useLocalDpi xmlns:a14="http://schemas.microsoft.com/office/drawing/2010/main" val="0"/>
+              </a:ext>
+            </a:extLst>
+          </a:blip>
+          <a:srcRect/>
+          <a:stretch>
+            <a:fillRect/>
+          </a:stretch>
+        </p:blipFill>
+        <p:spPr bwMode="auto">
+          <a:xfrm>
+            <a:off x="8777041" y="1365738"/>
+            <a:ext cx="2438400" cy="1828800"/>
+          </a:xfrm>
+          <a:prstGeom prst="rect">
+            <a:avLst/>
+          </a:prstGeom>
+          <a:noFill/>
+          <a:extLst>
+            <a:ext uri="{909E8E84-426E-40DD-AFC4-6F175D3DCCD1}">
+              <a14:hiddenFill xmlns:a14="http://schemas.microsoft.com/office/drawing/2010/main">
+                <a:solidFill>
+                  <a:srgbClr val="FFFFFF"/>
+                </a:solidFill>
+              </a14:hiddenFill>
+            </a:ext>
+          </a:extLst>
+        </p:spPr>
+      </p:pic>
+      <p:pic>
+        <p:nvPicPr>
+          <p:cNvPr id="1034" name="Picture 10">
+            <a:extLst>
+              <a:ext uri="{FF2B5EF4-FFF2-40B4-BE49-F238E27FC236}">
+                <a16:creationId xmlns:a16="http://schemas.microsoft.com/office/drawing/2014/main" id="{02B75341-E489-34EA-40CA-B3FFD1E1894A}"/>
+              </a:ext>
+            </a:extLst>
+          </p:cNvPr>
+          <p:cNvPicPr>
+            <a:picLocks noChangeAspect="1" noChangeArrowheads="1"/>
+          </p:cNvPicPr>
+          <p:nvPr/>
+        </p:nvPicPr>
+        <p:blipFill>
+          <a:blip r:embed="rId7">
+            <a:extLst>
+              <a:ext uri="{28A0092B-C50C-407E-A947-70E740481C1C}">
+                <a14:useLocalDpi xmlns:a14="http://schemas.microsoft.com/office/drawing/2010/main" val="0"/>
+              </a:ext>
+            </a:extLst>
+          </a:blip>
+          <a:srcRect/>
+          <a:stretch>
+            <a:fillRect/>
+          </a:stretch>
+        </p:blipFill>
+        <p:spPr bwMode="auto">
+          <a:xfrm>
+            <a:off x="522196" y="3908407"/>
+            <a:ext cx="2438400" cy="1828800"/>
+          </a:xfrm>
+          <a:prstGeom prst="rect">
+            <a:avLst/>
+          </a:prstGeom>
+          <a:noFill/>
+          <a:extLst>
+            <a:ext uri="{909E8E84-426E-40DD-AFC4-6F175D3DCCD1}">
+              <a14:hiddenFill xmlns:a14="http://schemas.microsoft.com/office/drawing/2010/main">
+                <a:solidFill>
+                  <a:srgbClr val="FFFFFF"/>
+                </a:solidFill>
+              </a14:hiddenFill>
+            </a:ext>
+          </a:extLst>
+        </p:spPr>
+      </p:pic>
+      <p:pic>
+        <p:nvPicPr>
+          <p:cNvPr id="1036" name="Picture 12">
+            <a:extLst>
+              <a:ext uri="{FF2B5EF4-FFF2-40B4-BE49-F238E27FC236}">
+                <a16:creationId xmlns:a16="http://schemas.microsoft.com/office/drawing/2014/main" id="{8647B089-2FB1-603D-6AC9-6FF2BF918461}"/>
+              </a:ext>
+            </a:extLst>
+          </p:cNvPr>
+          <p:cNvPicPr>
+            <a:picLocks noChangeAspect="1" noChangeArrowheads="1"/>
+          </p:cNvPicPr>
+          <p:nvPr/>
+        </p:nvPicPr>
+        <p:blipFill>
+          <a:blip r:embed="rId8">
+            <a:extLst>
+              <a:ext uri="{28A0092B-C50C-407E-A947-70E740481C1C}">
+                <a14:useLocalDpi xmlns:a14="http://schemas.microsoft.com/office/drawing/2010/main" val="0"/>
+              </a:ext>
+            </a:extLst>
+          </a:blip>
+          <a:srcRect/>
+          <a:stretch>
+            <a:fillRect/>
+          </a:stretch>
+        </p:blipFill>
+        <p:spPr bwMode="auto">
+          <a:xfrm>
+            <a:off x="3197465" y="3908407"/>
+            <a:ext cx="2438400" cy="1828800"/>
+          </a:xfrm>
+          <a:prstGeom prst="rect">
+            <a:avLst/>
+          </a:prstGeom>
+          <a:noFill/>
+          <a:extLst>
+            <a:ext uri="{909E8E84-426E-40DD-AFC4-6F175D3DCCD1}">
+              <a14:hiddenFill xmlns:a14="http://schemas.microsoft.com/office/drawing/2010/main">
+                <a:solidFill>
+                  <a:srgbClr val="FFFFFF"/>
+                </a:solidFill>
+              </a14:hiddenFill>
+            </a:ext>
+          </a:extLst>
+        </p:spPr>
+      </p:pic>
+      <p:pic>
+        <p:nvPicPr>
+          <p:cNvPr id="1038" name="Picture 14">
+            <a:extLst>
+              <a:ext uri="{FF2B5EF4-FFF2-40B4-BE49-F238E27FC236}">
+                <a16:creationId xmlns:a16="http://schemas.microsoft.com/office/drawing/2014/main" id="{0866172B-C9FF-B799-535B-9D22D187C325}"/>
+              </a:ext>
+            </a:extLst>
+          </p:cNvPr>
+          <p:cNvPicPr>
+            <a:picLocks noChangeAspect="1" noChangeArrowheads="1"/>
+          </p:cNvPicPr>
+          <p:nvPr/>
+        </p:nvPicPr>
+        <p:blipFill>
+          <a:blip r:embed="rId9">
+            <a:extLst>
+              <a:ext uri="{28A0092B-C50C-407E-A947-70E740481C1C}">
+                <a14:useLocalDpi xmlns:a14="http://schemas.microsoft.com/office/drawing/2010/main" val="0"/>
+              </a:ext>
+            </a:extLst>
+          </a:blip>
+          <a:srcRect/>
+          <a:stretch>
+            <a:fillRect/>
+          </a:stretch>
+        </p:blipFill>
+        <p:spPr bwMode="auto">
+          <a:xfrm>
+            <a:off x="5417880" y="3981957"/>
+            <a:ext cx="3657600" cy="1828800"/>
+          </a:xfrm>
+          <a:prstGeom prst="rect">
+            <a:avLst/>
+          </a:prstGeom>
+          <a:noFill/>
+          <a:extLst>
+            <a:ext uri="{909E8E84-426E-40DD-AFC4-6F175D3DCCD1}">
+              <a14:hiddenFill xmlns:a14="http://schemas.microsoft.com/office/drawing/2010/main">
+                <a:solidFill>
+                  <a:srgbClr val="FFFFFF"/>
+                </a:solidFill>
+              </a14:hiddenFill>
+            </a:ext>
+          </a:extLst>
+        </p:spPr>
+      </p:pic>
+      <p:pic>
+        <p:nvPicPr>
+          <p:cNvPr id="1040" name="Picture 16">
+            <a:extLst>
+              <a:ext uri="{FF2B5EF4-FFF2-40B4-BE49-F238E27FC236}">
+                <a16:creationId xmlns:a16="http://schemas.microsoft.com/office/drawing/2014/main" id="{44A4C6A6-8EE8-ABB3-2A7B-02A84DF6B134}"/>
+              </a:ext>
+            </a:extLst>
+          </p:cNvPr>
+          <p:cNvPicPr>
+            <a:picLocks noChangeAspect="1" noChangeArrowheads="1"/>
+          </p:cNvPicPr>
+          <p:nvPr/>
+        </p:nvPicPr>
+        <p:blipFill>
+          <a:blip r:embed="rId10">
+            <a:extLst>
+              <a:ext uri="{28A0092B-C50C-407E-A947-70E740481C1C}">
+                <a14:useLocalDpi xmlns:a14="http://schemas.microsoft.com/office/drawing/2010/main" val="0"/>
+              </a:ext>
+            </a:extLst>
+          </a:blip>
+          <a:srcRect/>
+          <a:stretch>
+            <a:fillRect/>
+          </a:stretch>
+        </p:blipFill>
+        <p:spPr bwMode="auto">
+          <a:xfrm>
+            <a:off x="9038061" y="3661964"/>
+            <a:ext cx="2743200" cy="2743200"/>
+          </a:xfrm>
+          <a:prstGeom prst="rect">
+            <a:avLst/>
+          </a:prstGeom>
+          <a:noFill/>
+          <a:extLst>
+            <a:ext uri="{909E8E84-426E-40DD-AFC4-6F175D3DCCD1}">
+              <a14:hiddenFill xmlns:a14="http://schemas.microsoft.com/office/drawing/2010/main">
+                <a:solidFill>
+                  <a:srgbClr val="FFFFFF"/>
+                </a:solidFill>
+              </a14:hiddenFill>
+            </a:ext>
+          </a:extLst>
+        </p:spPr>
+      </p:pic>
+    </p:spTree>
+    <p:extLst>
+      <p:ext uri="{BB962C8B-B14F-4D97-AF65-F5344CB8AC3E}">
+        <p14:creationId xmlns:p14="http://schemas.microsoft.com/office/powerpoint/2010/main" val="2117721080"/>
+      </p:ext>
+    </p:extLst>
+  </p:cSld>
+  <p:clrMapOvr>
+    <a:masterClrMapping/>
+  </p:clrMapOvr>
+</p:sld>
+</file>
+
+<file path=ppt/slides/slide17.xml><?xml version="1.0" encoding="utf-8"?>
+<p:sld xmlns:a="http://schemas.openxmlformats.org/drawingml/2006/main" xmlns:r="http://schemas.openxmlformats.org/officeDocument/2006/relationships" xmlns:p="http://schemas.openxmlformats.org/presentationml/2006/main">
+  <p:cSld>
+    <p:spTree>
+      <p:nvGrpSpPr>
+        <p:cNvPr id="1" name=""/>
+        <p:cNvGrpSpPr/>
+        <p:nvPr/>
+      </p:nvGrpSpPr>
+      <p:grpSpPr>
+        <a:xfrm>
+          <a:off x="0" y="0"/>
+          <a:ext cx="0" cy="0"/>
+          <a:chOff x="0" y="0"/>
+          <a:chExt cx="0" cy="0"/>
+        </a:xfrm>
+      </p:grpSpPr>
+      <p:pic>
+        <p:nvPicPr>
+          <p:cNvPr id="2" name="Picture 1">
+            <a:extLst>
+              <a:ext uri="{FF2B5EF4-FFF2-40B4-BE49-F238E27FC236}">
+                <a16:creationId xmlns:a16="http://schemas.microsoft.com/office/drawing/2014/main" id="{A50B80A4-1BF3-8201-D8AF-EF18C24DD730}"/>
+              </a:ext>
+              <a:ext uri="{C183D7F6-B498-43B3-948B-1728B52AA6E4}">
+                <adec:decorative xmlns:adec="http://schemas.microsoft.com/office/drawing/2017/decorative" val="1"/>
+              </a:ext>
+            </a:extLst>
+          </p:cNvPr>
+          <p:cNvPicPr>
+            <a:picLocks noChangeAspect="1"/>
+          </p:cNvPicPr>
+          <p:nvPr/>
+        </p:nvPicPr>
+        <p:blipFill>
+          <a:blip r:embed="rId3">
             <a:extLst>
               <a:ext uri="{28A0092B-C50C-407E-A947-70E740481C1C}">
                 <a14:useLocalDpi xmlns:a14="http://schemas.microsoft.com/office/drawing/2010/main" val="0"/>
@@ -29932,10 +30310,55 @@
       </p:pic>
       <p:pic>
         <p:nvPicPr>
+          <p:cNvPr id="2050" name="Picture 2">
+            <a:extLst>
+              <a:ext uri="{FF2B5EF4-FFF2-40B4-BE49-F238E27FC236}">
+                <a16:creationId xmlns:a16="http://schemas.microsoft.com/office/drawing/2014/main" id="{41BD87D4-0E72-EBC6-900A-250672F5AD3D}"/>
+              </a:ext>
+            </a:extLst>
+          </p:cNvPr>
+          <p:cNvPicPr>
+            <a:picLocks noChangeAspect="1" noChangeArrowheads="1"/>
+          </p:cNvPicPr>
+          <p:nvPr/>
+        </p:nvPicPr>
+        <p:blipFill>
+          <a:blip r:embed="rId4">
+            <a:extLst>
+              <a:ext uri="{28A0092B-C50C-407E-A947-70E740481C1C}">
+                <a14:useLocalDpi xmlns:a14="http://schemas.microsoft.com/office/drawing/2010/main" val="0"/>
+              </a:ext>
+            </a:extLst>
+          </a:blip>
+          <a:srcRect/>
+          <a:stretch/>
+        </p:blipFill>
+        <p:spPr bwMode="auto">
+          <a:xfrm>
+            <a:off x="413913" y="800098"/>
+            <a:ext cx="4554980" cy="5257800"/>
+          </a:xfrm>
+          <a:prstGeom prst="rect">
+            <a:avLst/>
+          </a:prstGeom>
+          <a:noFill/>
+          <a:extLst>
+            <a:ext uri="{909E8E84-426E-40DD-AFC4-6F175D3DCCD1}">
+              <a14:hiddenFill xmlns:a14="http://schemas.microsoft.com/office/drawing/2010/main">
+                <a:solidFill>
+                  <a:srgbClr val="FFFFFF"/>
+                </a:solidFill>
+              </a14:hiddenFill>
+            </a:ext>
+          </a:extLst>
+        </p:spPr>
+      </p:pic>
+      <p:pic>
+        <p:nvPicPr>
           <p:cNvPr id="4" name="Picture 3">
             <a:extLst>
               <a:ext uri="{FF2B5EF4-FFF2-40B4-BE49-F238E27FC236}">
-                <a16:creationId xmlns:a16="http://schemas.microsoft.com/office/drawing/2014/main" id="{BAB9716A-6879-E596-F258-2730F38A50D7}"/>
+                <a16:creationId xmlns:a16="http://schemas.microsoft.com/office/drawing/2014/main" id="{235645A0-D4C2-96FE-2A6C-DA483ADB3F6D}"/>
               </a:ext>
             </a:extLst>
           </p:cNvPr>
@@ -29952,436 +30375,8 @@
         </p:blipFill>
         <p:spPr>
           <a:xfrm>
-            <a:off x="3004184" y="2677477"/>
-            <a:ext cx="5857875" cy="3819525"/>
-          </a:xfrm>
-          <a:prstGeom prst="rect">
-            <a:avLst/>
-          </a:prstGeom>
-        </p:spPr>
-      </p:pic>
-      <p:pic>
-        <p:nvPicPr>
-          <p:cNvPr id="8" name="Picture 7">
-            <a:extLst>
-              <a:ext uri="{FF2B5EF4-FFF2-40B4-BE49-F238E27FC236}">
-                <a16:creationId xmlns:a16="http://schemas.microsoft.com/office/drawing/2014/main" id="{977D444A-8BEB-55B8-E4BB-5D4824C391A4}"/>
-              </a:ext>
-            </a:extLst>
-          </p:cNvPr>
-          <p:cNvPicPr>
-            <a:picLocks noChangeAspect="1"/>
-          </p:cNvPicPr>
-          <p:nvPr/>
-        </p:nvPicPr>
-        <p:blipFill>
-          <a:blip r:embed="rId6"/>
-          <a:stretch>
-            <a:fillRect/>
-          </a:stretch>
-        </p:blipFill>
-        <p:spPr>
-          <a:xfrm>
-            <a:off x="2833617" y="1463992"/>
-            <a:ext cx="6524765" cy="517207"/>
-          </a:xfrm>
-          <a:prstGeom prst="rect">
-            <a:avLst/>
-          </a:prstGeom>
-          <a:ln w="3175">
-            <a:solidFill>
-              <a:schemeClr val="tx1">
-                <a:lumMod val="75000"/>
-                <a:lumOff val="25000"/>
-              </a:schemeClr>
-            </a:solidFill>
-          </a:ln>
-        </p:spPr>
-      </p:pic>
-      <p:sp>
-        <p:nvSpPr>
-          <p:cNvPr id="5" name="Title 1">
-            <a:extLst>
-              <a:ext uri="{FF2B5EF4-FFF2-40B4-BE49-F238E27FC236}">
-                <a16:creationId xmlns:a16="http://schemas.microsoft.com/office/drawing/2014/main" id="{94FA14E0-0D11-AD8B-7FAF-F115B32CE53C}"/>
-              </a:ext>
-            </a:extLst>
-          </p:cNvPr>
-          <p:cNvSpPr txBox="1">
-            <a:spLocks/>
-          </p:cNvSpPr>
-          <p:nvPr/>
-        </p:nvSpPr>
-        <p:spPr>
-          <a:xfrm>
-            <a:off x="0" y="306900"/>
-            <a:ext cx="12192000" cy="661115"/>
-          </a:xfrm>
-          <a:prstGeom prst="rect">
-            <a:avLst/>
-          </a:prstGeom>
-        </p:spPr>
-        <p:txBody>
-          <a:bodyPr>
-            <a:normAutofit/>
-          </a:bodyPr>
-          <a:lstStyle>
-            <a:lvl1pPr algn="l" defTabSz="914400" rtl="0" eaLnBrk="1" latinLnBrk="0" hangingPunct="1">
-              <a:lnSpc>
-                <a:spcPct val="90000"/>
-              </a:lnSpc>
-              <a:spcBef>
-                <a:spcPct val="0"/>
-              </a:spcBef>
-              <a:buNone/>
-              <a:defRPr sz="4400" kern="1200">
-                <a:solidFill>
-                  <a:schemeClr val="tx1"/>
-                </a:solidFill>
-                <a:latin typeface="+mj-lt"/>
-                <a:ea typeface="+mj-ea"/>
-                <a:cs typeface="+mj-cs"/>
-              </a:defRPr>
-            </a:lvl1pPr>
-          </a:lstStyle>
-          <a:p>
-            <a:pPr algn="ctr"/>
-            <a:r>
-              <a:rPr lang="en-US" sz="4000" b="1">
-                <a:latin typeface="Avenir Black" panose="02000503020000020003" pitchFamily="2" charset="0"/>
-              </a:rPr>
-              <a:t>Scatterplot</a:t>
-            </a:r>
-          </a:p>
-        </p:txBody>
-      </p:sp>
-    </p:spTree>
-    <p:custDataLst>
-      <p:tags r:id="rId1"/>
-    </p:custDataLst>
-    <p:extLst>
-      <p:ext uri="{BB962C8B-B14F-4D97-AF65-F5344CB8AC3E}">
-        <p14:creationId xmlns:p14="http://schemas.microsoft.com/office/powerpoint/2010/main" val="1362822165"/>
-      </p:ext>
-    </p:extLst>
-  </p:cSld>
-  <p:clrMapOvr>
-    <a:masterClrMapping/>
-  </p:clrMapOvr>
-  <p:timing>
-    <p:tnLst>
-      <p:par>
-        <p:cTn id="1" dur="indefinite" restart="never" nodeType="tmRoot">
-          <p:childTnLst>
-            <p:seq concurrent="1" nextAc="seek">
-              <p:cTn id="2" dur="indefinite" nodeType="mainSeq">
-                <p:childTnLst>
-                  <p:par>
-                    <p:cTn id="3" fill="hold">
-                      <p:stCondLst>
-                        <p:cond delay="indefinite"/>
-                      </p:stCondLst>
-                      <p:childTnLst>
-                        <p:par>
-                          <p:cTn id="4" fill="hold">
-                            <p:stCondLst>
-                              <p:cond delay="0"/>
-                            </p:stCondLst>
-                            <p:childTnLst>
-                              <p:par>
-                                <p:cTn id="5" presetID="10" presetClass="entr" presetSubtype="0" fill="hold" nodeType="clickEffect">
-                                  <p:stCondLst>
-                                    <p:cond delay="0"/>
-                                  </p:stCondLst>
-                                  <p:childTnLst>
-                                    <p:set>
-                                      <p:cBhvr>
-                                        <p:cTn id="6" dur="1" fill="hold">
-                                          <p:stCondLst>
-                                            <p:cond delay="0"/>
-                                          </p:stCondLst>
-                                        </p:cTn>
-                                        <p:tgtEl>
-                                          <p:spTgt spid="8"/>
-                                        </p:tgtEl>
-                                        <p:attrNameLst>
-                                          <p:attrName>style.visibility</p:attrName>
-                                        </p:attrNameLst>
-                                      </p:cBhvr>
-                                      <p:to>
-                                        <p:strVal val="visible"/>
-                                      </p:to>
-                                    </p:set>
-                                    <p:animEffect transition="in" filter="fade">
-                                      <p:cBhvr>
-                                        <p:cTn id="7" dur="500"/>
-                                        <p:tgtEl>
-                                          <p:spTgt spid="8"/>
-                                        </p:tgtEl>
-                                      </p:cBhvr>
-                                    </p:animEffect>
-                                  </p:childTnLst>
-                                </p:cTn>
-                              </p:par>
-                            </p:childTnLst>
-                          </p:cTn>
-                        </p:par>
-                      </p:childTnLst>
-                    </p:cTn>
-                  </p:par>
-                  <p:par>
-                    <p:cTn id="8" fill="hold">
-                      <p:stCondLst>
-                        <p:cond delay="indefinite"/>
-                      </p:stCondLst>
-                      <p:childTnLst>
-                        <p:par>
-                          <p:cTn id="9" fill="hold">
-                            <p:stCondLst>
-                              <p:cond delay="0"/>
-                            </p:stCondLst>
-                            <p:childTnLst>
-                              <p:par>
-                                <p:cTn id="10" presetID="10" presetClass="entr" presetSubtype="0" fill="hold" nodeType="clickEffect">
-                                  <p:stCondLst>
-                                    <p:cond delay="0"/>
-                                  </p:stCondLst>
-                                  <p:childTnLst>
-                                    <p:set>
-                                      <p:cBhvr>
-                                        <p:cTn id="11" dur="1" fill="hold">
-                                          <p:stCondLst>
-                                            <p:cond delay="0"/>
-                                          </p:stCondLst>
-                                        </p:cTn>
-                                        <p:tgtEl>
-                                          <p:spTgt spid="4"/>
-                                        </p:tgtEl>
-                                        <p:attrNameLst>
-                                          <p:attrName>style.visibility</p:attrName>
-                                        </p:attrNameLst>
-                                      </p:cBhvr>
-                                      <p:to>
-                                        <p:strVal val="visible"/>
-                                      </p:to>
-                                    </p:set>
-                                    <p:animEffect transition="in" filter="fade">
-                                      <p:cBhvr>
-                                        <p:cTn id="12" dur="500"/>
-                                        <p:tgtEl>
-                                          <p:spTgt spid="4"/>
-                                        </p:tgtEl>
-                                      </p:cBhvr>
-                                    </p:animEffect>
-                                  </p:childTnLst>
-                                </p:cTn>
-                              </p:par>
-                            </p:childTnLst>
-                          </p:cTn>
-                        </p:par>
-                      </p:childTnLst>
-                    </p:cTn>
-                  </p:par>
-                </p:childTnLst>
-              </p:cTn>
-              <p:prevCondLst>
-                <p:cond evt="onPrev" delay="0">
-                  <p:tgtEl>
-                    <p:sldTgt/>
-                  </p:tgtEl>
-                </p:cond>
-              </p:prevCondLst>
-              <p:nextCondLst>
-                <p:cond evt="onNext" delay="0">
-                  <p:tgtEl>
-                    <p:sldTgt/>
-                  </p:tgtEl>
-                </p:cond>
-              </p:nextCondLst>
-            </p:seq>
-          </p:childTnLst>
-        </p:cTn>
-      </p:par>
-    </p:tnLst>
-  </p:timing>
-</p:sld>
-</file>
-
-<file path=ppt/slides/slide17.xml><?xml version="1.0" encoding="utf-8"?>
-<p:sld xmlns:a="http://schemas.openxmlformats.org/drawingml/2006/main" xmlns:r="http://schemas.openxmlformats.org/officeDocument/2006/relationships" xmlns:p="http://schemas.openxmlformats.org/presentationml/2006/main">
-  <p:cSld>
-    <p:spTree>
-      <p:nvGrpSpPr>
-        <p:cNvPr id="1" name=""/>
-        <p:cNvGrpSpPr/>
-        <p:nvPr/>
-      </p:nvGrpSpPr>
-      <p:grpSpPr>
-        <a:xfrm>
-          <a:off x="0" y="0"/>
-          <a:ext cx="0" cy="0"/>
-          <a:chOff x="0" y="0"/>
-          <a:chExt cx="0" cy="0"/>
-        </a:xfrm>
-      </p:grpSpPr>
-      <p:pic>
-        <p:nvPicPr>
-          <p:cNvPr id="7" name="Picture 6">
-            <a:extLst>
-              <a:ext uri="{FF2B5EF4-FFF2-40B4-BE49-F238E27FC236}">
-                <a16:creationId xmlns:a16="http://schemas.microsoft.com/office/drawing/2014/main" id="{BA14FA76-CD9B-73FF-2739-47CEE8172908}"/>
-              </a:ext>
-              <a:ext uri="{C183D7F6-B498-43B3-948B-1728B52AA6E4}">
-                <adec:decorative xmlns:adec="http://schemas.microsoft.com/office/drawing/2017/decorative" val="1"/>
-              </a:ext>
-            </a:extLst>
-          </p:cNvPr>
-          <p:cNvPicPr>
-            <a:picLocks noChangeAspect="1"/>
-          </p:cNvPicPr>
-          <p:nvPr/>
-        </p:nvPicPr>
-        <p:blipFill>
-          <a:blip r:embed="rId4">
-            <a:extLst>
-              <a:ext uri="{28A0092B-C50C-407E-A947-70E740481C1C}">
-                <a14:useLocalDpi xmlns:a14="http://schemas.microsoft.com/office/drawing/2010/main" val="0"/>
-              </a:ext>
-            </a:extLst>
-          </a:blip>
-          <a:stretch>
-            <a:fillRect/>
-          </a:stretch>
-        </p:blipFill>
-        <p:spPr>
-          <a:xfrm>
-            <a:off x="11378037" y="6031948"/>
-            <a:ext cx="800100" cy="812800"/>
-          </a:xfrm>
-          <a:prstGeom prst="rect">
-            <a:avLst/>
-          </a:prstGeom>
-        </p:spPr>
-      </p:pic>
-      <p:pic>
-        <p:nvPicPr>
-          <p:cNvPr id="6" name="Picture 5">
-            <a:extLst>
-              <a:ext uri="{FF2B5EF4-FFF2-40B4-BE49-F238E27FC236}">
-                <a16:creationId xmlns:a16="http://schemas.microsoft.com/office/drawing/2014/main" id="{EC928D18-4555-0FFC-B464-4B0F4ABF6953}"/>
-              </a:ext>
-            </a:extLst>
-          </p:cNvPr>
-          <p:cNvPicPr>
-            <a:picLocks noChangeAspect="1"/>
-          </p:cNvPicPr>
-          <p:nvPr/>
-        </p:nvPicPr>
-        <p:blipFill>
-          <a:blip r:embed="rId5"/>
-          <a:stretch>
-            <a:fillRect/>
-          </a:stretch>
-        </p:blipFill>
-        <p:spPr>
-          <a:xfrm>
-            <a:off x="2078021" y="2490111"/>
-            <a:ext cx="8035957" cy="1877778"/>
-          </a:xfrm>
-          <a:prstGeom prst="rect">
-            <a:avLst/>
-          </a:prstGeom>
-          <a:ln w="3175">
-            <a:solidFill>
-              <a:schemeClr val="tx1">
-                <a:lumMod val="75000"/>
-                <a:lumOff val="25000"/>
-              </a:schemeClr>
-            </a:solidFill>
-          </a:ln>
-        </p:spPr>
-      </p:pic>
-      <p:sp>
-        <p:nvSpPr>
-          <p:cNvPr id="5" name="Title 1">
-            <a:extLst>
-              <a:ext uri="{FF2B5EF4-FFF2-40B4-BE49-F238E27FC236}">
-                <a16:creationId xmlns:a16="http://schemas.microsoft.com/office/drawing/2014/main" id="{0DBD3BEE-43A5-FBDA-94BE-D79C2C2655C5}"/>
-              </a:ext>
-            </a:extLst>
-          </p:cNvPr>
-          <p:cNvSpPr txBox="1">
-            <a:spLocks/>
-          </p:cNvSpPr>
-          <p:nvPr/>
-        </p:nvSpPr>
-        <p:spPr>
-          <a:xfrm>
-            <a:off x="0" y="306900"/>
-            <a:ext cx="12192000" cy="661115"/>
-          </a:xfrm>
-          <a:prstGeom prst="rect">
-            <a:avLst/>
-          </a:prstGeom>
-        </p:spPr>
-        <p:txBody>
-          <a:bodyPr>
-            <a:normAutofit/>
-          </a:bodyPr>
-          <a:lstStyle>
-            <a:lvl1pPr algn="l" defTabSz="914400" rtl="0" eaLnBrk="1" latinLnBrk="0" hangingPunct="1">
-              <a:lnSpc>
-                <a:spcPct val="90000"/>
-              </a:lnSpc>
-              <a:spcBef>
-                <a:spcPct val="0"/>
-              </a:spcBef>
-              <a:buNone/>
-              <a:defRPr sz="4400" kern="1200">
-                <a:solidFill>
-                  <a:schemeClr val="tx1"/>
-                </a:solidFill>
-                <a:latin typeface="+mj-lt"/>
-                <a:ea typeface="+mj-ea"/>
-                <a:cs typeface="+mj-cs"/>
-              </a:defRPr>
-            </a:lvl1pPr>
-          </a:lstStyle>
-          <a:p>
-            <a:pPr algn="ctr"/>
-            <a:r>
-              <a:rPr lang="en-US" sz="4000" b="1">
-                <a:latin typeface="Avenir Black" panose="02000503020000020003" pitchFamily="2" charset="0"/>
-              </a:rPr>
-              <a:t>Matplotlib Scatterplot</a:t>
-            </a:r>
-          </a:p>
-        </p:txBody>
-      </p:sp>
-      <p:pic>
-        <p:nvPicPr>
-          <p:cNvPr id="12" name="Picture 11">
-            <a:extLst>
-              <a:ext uri="{FF2B5EF4-FFF2-40B4-BE49-F238E27FC236}">
-                <a16:creationId xmlns:a16="http://schemas.microsoft.com/office/drawing/2014/main" id="{02C04D69-D7DF-0C39-826C-B621354D6D6A}"/>
-              </a:ext>
-            </a:extLst>
-          </p:cNvPr>
-          <p:cNvPicPr>
-            <a:picLocks noChangeAspect="1"/>
-          </p:cNvPicPr>
-          <p:nvPr/>
-        </p:nvPicPr>
-        <p:blipFill>
-          <a:blip r:embed="rId6"/>
-          <a:stretch>
-            <a:fillRect/>
-          </a:stretch>
-        </p:blipFill>
-        <p:spPr>
-          <a:xfrm>
-            <a:off x="3076575" y="1753552"/>
-            <a:ext cx="6038850" cy="4029075"/>
+            <a:off x="5553035" y="588095"/>
+            <a:ext cx="6225052" cy="5681807"/>
           </a:xfrm>
           <a:prstGeom prst="rect">
             <a:avLst/>
@@ -30389,424 +30384,19 @@
         </p:spPr>
       </p:pic>
     </p:spTree>
-    <p:custDataLst>
-      <p:tags r:id="rId1"/>
-    </p:custDataLst>
     <p:extLst>
       <p:ext uri="{BB962C8B-B14F-4D97-AF65-F5344CB8AC3E}">
-        <p14:creationId xmlns:p14="http://schemas.microsoft.com/office/powerpoint/2010/main" val="954048569"/>
+        <p14:creationId xmlns:p14="http://schemas.microsoft.com/office/powerpoint/2010/main" val="4152977319"/>
       </p:ext>
     </p:extLst>
   </p:cSld>
   <p:clrMapOvr>
     <a:masterClrMapping/>
   </p:clrMapOvr>
-  <p:timing>
-    <p:tnLst>
-      <p:par>
-        <p:cTn id="1" dur="indefinite" restart="never" nodeType="tmRoot">
-          <p:childTnLst>
-            <p:seq concurrent="1" nextAc="seek">
-              <p:cTn id="2" dur="indefinite" nodeType="mainSeq">
-                <p:childTnLst>
-                  <p:par>
-                    <p:cTn id="3" fill="hold">
-                      <p:stCondLst>
-                        <p:cond delay="indefinite"/>
-                      </p:stCondLst>
-                      <p:childTnLst>
-                        <p:par>
-                          <p:cTn id="4" fill="hold">
-                            <p:stCondLst>
-                              <p:cond delay="0"/>
-                            </p:stCondLst>
-                            <p:childTnLst>
-                              <p:par>
-                                <p:cTn id="5" presetID="10" presetClass="entr" presetSubtype="0" fill="hold" nodeType="clickEffect">
-                                  <p:stCondLst>
-                                    <p:cond delay="0"/>
-                                  </p:stCondLst>
-                                  <p:childTnLst>
-                                    <p:set>
-                                      <p:cBhvr>
-                                        <p:cTn id="6" dur="1" fill="hold">
-                                          <p:stCondLst>
-                                            <p:cond delay="0"/>
-                                          </p:stCondLst>
-                                        </p:cTn>
-                                        <p:tgtEl>
-                                          <p:spTgt spid="6"/>
-                                        </p:tgtEl>
-                                        <p:attrNameLst>
-                                          <p:attrName>style.visibility</p:attrName>
-                                        </p:attrNameLst>
-                                      </p:cBhvr>
-                                      <p:to>
-                                        <p:strVal val="visible"/>
-                                      </p:to>
-                                    </p:set>
-                                    <p:animEffect transition="in" filter="fade">
-                                      <p:cBhvr>
-                                        <p:cTn id="7" dur="500"/>
-                                        <p:tgtEl>
-                                          <p:spTgt spid="6"/>
-                                        </p:tgtEl>
-                                      </p:cBhvr>
-                                    </p:animEffect>
-                                  </p:childTnLst>
-                                  <p:subTnLst>
-                                    <p:set>
-                                      <p:cBhvr override="childStyle">
-                                        <p:cTn dur="1" fill="hold" display="0" masterRel="nextClick" afterEffect="1"/>
-                                        <p:tgtEl>
-                                          <p:spTgt spid="6"/>
-                                        </p:tgtEl>
-                                        <p:attrNameLst>
-                                          <p:attrName>style.visibility</p:attrName>
-                                        </p:attrNameLst>
-                                      </p:cBhvr>
-                                      <p:to>
-                                        <p:strVal val="hidden"/>
-                                      </p:to>
-                                    </p:set>
-                                  </p:subTnLst>
-                                </p:cTn>
-                              </p:par>
-                            </p:childTnLst>
-                          </p:cTn>
-                        </p:par>
-                      </p:childTnLst>
-                    </p:cTn>
-                  </p:par>
-                  <p:par>
-                    <p:cTn id="8" fill="hold">
-                      <p:stCondLst>
-                        <p:cond delay="indefinite"/>
-                      </p:stCondLst>
-                      <p:childTnLst>
-                        <p:par>
-                          <p:cTn id="9" fill="hold">
-                            <p:stCondLst>
-                              <p:cond delay="0"/>
-                            </p:stCondLst>
-                            <p:childTnLst>
-                              <p:par>
-                                <p:cTn id="10" presetID="10" presetClass="entr" presetSubtype="0" fill="hold" nodeType="clickEffect">
-                                  <p:stCondLst>
-                                    <p:cond delay="0"/>
-                                  </p:stCondLst>
-                                  <p:childTnLst>
-                                    <p:set>
-                                      <p:cBhvr>
-                                        <p:cTn id="11" dur="1" fill="hold">
-                                          <p:stCondLst>
-                                            <p:cond delay="0"/>
-                                          </p:stCondLst>
-                                        </p:cTn>
-                                        <p:tgtEl>
-                                          <p:spTgt spid="12"/>
-                                        </p:tgtEl>
-                                        <p:attrNameLst>
-                                          <p:attrName>style.visibility</p:attrName>
-                                        </p:attrNameLst>
-                                      </p:cBhvr>
-                                      <p:to>
-                                        <p:strVal val="visible"/>
-                                      </p:to>
-                                    </p:set>
-                                    <p:animEffect transition="in" filter="fade">
-                                      <p:cBhvr>
-                                        <p:cTn id="12" dur="500"/>
-                                        <p:tgtEl>
-                                          <p:spTgt spid="12"/>
-                                        </p:tgtEl>
-                                      </p:cBhvr>
-                                    </p:animEffect>
-                                  </p:childTnLst>
-                                </p:cTn>
-                              </p:par>
-                            </p:childTnLst>
-                          </p:cTn>
-                        </p:par>
-                      </p:childTnLst>
-                    </p:cTn>
-                  </p:par>
-                </p:childTnLst>
-              </p:cTn>
-              <p:prevCondLst>
-                <p:cond evt="onPrev" delay="0">
-                  <p:tgtEl>
-                    <p:sldTgt/>
-                  </p:tgtEl>
-                </p:cond>
-              </p:prevCondLst>
-              <p:nextCondLst>
-                <p:cond evt="onNext" delay="0">
-                  <p:tgtEl>
-                    <p:sldTgt/>
-                  </p:tgtEl>
-                </p:cond>
-              </p:nextCondLst>
-            </p:seq>
-          </p:childTnLst>
-        </p:cTn>
-      </p:par>
-    </p:tnLst>
-  </p:timing>
 </p:sld>
 </file>
 
 <file path=ppt/slides/slide18.xml><?xml version="1.0" encoding="utf-8"?>
-<p:sld xmlns:a="http://schemas.openxmlformats.org/drawingml/2006/main" xmlns:r="http://schemas.openxmlformats.org/officeDocument/2006/relationships" xmlns:p="http://schemas.openxmlformats.org/presentationml/2006/main">
-  <p:cSld>
-    <p:spTree>
-      <p:nvGrpSpPr>
-        <p:cNvPr id="1" name=""/>
-        <p:cNvGrpSpPr/>
-        <p:nvPr/>
-      </p:nvGrpSpPr>
-      <p:grpSpPr>
-        <a:xfrm>
-          <a:off x="0" y="0"/>
-          <a:ext cx="0" cy="0"/>
-          <a:chOff x="0" y="0"/>
-          <a:chExt cx="0" cy="0"/>
-        </a:xfrm>
-      </p:grpSpPr>
-      <p:pic>
-        <p:nvPicPr>
-          <p:cNvPr id="3" name="Picture 2">
-            <a:extLst>
-              <a:ext uri="{FF2B5EF4-FFF2-40B4-BE49-F238E27FC236}">
-                <a16:creationId xmlns:a16="http://schemas.microsoft.com/office/drawing/2014/main" id="{CF5DEFA3-F34D-F03B-5675-E1E52A133BC2}"/>
-              </a:ext>
-            </a:extLst>
-          </p:cNvPr>
-          <p:cNvPicPr>
-            <a:picLocks noChangeAspect="1"/>
-          </p:cNvPicPr>
-          <p:nvPr/>
-        </p:nvPicPr>
-        <p:blipFill>
-          <a:blip r:embed="rId4"/>
-          <a:stretch>
-            <a:fillRect/>
-          </a:stretch>
-        </p:blipFill>
-        <p:spPr>
-          <a:xfrm>
-            <a:off x="3269694" y="3156585"/>
-            <a:ext cx="5652611" cy="544830"/>
-          </a:xfrm>
-          <a:prstGeom prst="rect">
-            <a:avLst/>
-          </a:prstGeom>
-          <a:ln w="3175">
-            <a:solidFill>
-              <a:schemeClr val="tx1">
-                <a:lumMod val="75000"/>
-                <a:lumOff val="25000"/>
-              </a:schemeClr>
-            </a:solidFill>
-          </a:ln>
-        </p:spPr>
-      </p:pic>
-      <p:pic>
-        <p:nvPicPr>
-          <p:cNvPr id="4" name="Picture 3">
-            <a:extLst>
-              <a:ext uri="{FF2B5EF4-FFF2-40B4-BE49-F238E27FC236}">
-                <a16:creationId xmlns:a16="http://schemas.microsoft.com/office/drawing/2014/main" id="{6E6C6BDE-2E29-6BCB-DA46-5E255A7092F6}"/>
-              </a:ext>
-              <a:ext uri="{C183D7F6-B498-43B3-948B-1728B52AA6E4}">
-                <adec:decorative xmlns:adec="http://schemas.microsoft.com/office/drawing/2017/decorative" val="1"/>
-              </a:ext>
-            </a:extLst>
-          </p:cNvPr>
-          <p:cNvPicPr>
-            <a:picLocks noChangeAspect="1"/>
-          </p:cNvPicPr>
-          <p:nvPr/>
-        </p:nvPicPr>
-        <p:blipFill>
-          <a:blip r:embed="rId5">
-            <a:extLst>
-              <a:ext uri="{28A0092B-C50C-407E-A947-70E740481C1C}">
-                <a14:useLocalDpi xmlns:a14="http://schemas.microsoft.com/office/drawing/2010/main" val="0"/>
-              </a:ext>
-            </a:extLst>
-          </a:blip>
-          <a:stretch>
-            <a:fillRect/>
-          </a:stretch>
-        </p:blipFill>
-        <p:spPr>
-          <a:xfrm>
-            <a:off x="11378037" y="6031948"/>
-            <a:ext cx="800100" cy="812800"/>
-          </a:xfrm>
-          <a:prstGeom prst="rect">
-            <a:avLst/>
-          </a:prstGeom>
-        </p:spPr>
-      </p:pic>
-      <p:sp>
-        <p:nvSpPr>
-          <p:cNvPr id="5" name="Title 1">
-            <a:extLst>
-              <a:ext uri="{FF2B5EF4-FFF2-40B4-BE49-F238E27FC236}">
-                <a16:creationId xmlns:a16="http://schemas.microsoft.com/office/drawing/2014/main" id="{6151F78E-13BC-6250-6797-1465D56A63A4}"/>
-              </a:ext>
-            </a:extLst>
-          </p:cNvPr>
-          <p:cNvSpPr txBox="1">
-            <a:spLocks/>
-          </p:cNvSpPr>
-          <p:nvPr/>
-        </p:nvSpPr>
-        <p:spPr>
-          <a:xfrm>
-            <a:off x="0" y="306900"/>
-            <a:ext cx="12192000" cy="661115"/>
-          </a:xfrm>
-          <a:prstGeom prst="rect">
-            <a:avLst/>
-          </a:prstGeom>
-        </p:spPr>
-        <p:txBody>
-          <a:bodyPr>
-            <a:normAutofit/>
-          </a:bodyPr>
-          <a:lstStyle>
-            <a:lvl1pPr algn="l" defTabSz="914400" rtl="0" eaLnBrk="1" latinLnBrk="0" hangingPunct="1">
-              <a:lnSpc>
-                <a:spcPct val="90000"/>
-              </a:lnSpc>
-              <a:spcBef>
-                <a:spcPct val="0"/>
-              </a:spcBef>
-              <a:buNone/>
-              <a:defRPr sz="4400" kern="1200">
-                <a:solidFill>
-                  <a:schemeClr val="tx1"/>
-                </a:solidFill>
-                <a:latin typeface="+mj-lt"/>
-                <a:ea typeface="+mj-ea"/>
-                <a:cs typeface="+mj-cs"/>
-              </a:defRPr>
-            </a:lvl1pPr>
-          </a:lstStyle>
-          <a:p>
-            <a:pPr algn="ctr"/>
-            <a:r>
-              <a:rPr lang="en-US" sz="4000" b="1">
-                <a:latin typeface="Avenir Black" panose="02000503020000020003" pitchFamily="2" charset="0"/>
-              </a:rPr>
-              <a:t>Saving a Plot</a:t>
-            </a:r>
-          </a:p>
-        </p:txBody>
-      </p:sp>
-    </p:spTree>
-    <p:custDataLst>
-      <p:tags r:id="rId1"/>
-    </p:custDataLst>
-    <p:extLst>
-      <p:ext uri="{BB962C8B-B14F-4D97-AF65-F5344CB8AC3E}">
-        <p14:creationId xmlns:p14="http://schemas.microsoft.com/office/powerpoint/2010/main" val="144314383"/>
-      </p:ext>
-    </p:extLst>
-  </p:cSld>
-  <p:clrMapOvr>
-    <a:masterClrMapping/>
-  </p:clrMapOvr>
-  <p:timing>
-    <p:tnLst>
-      <p:par>
-        <p:cTn id="1" dur="indefinite" restart="never" nodeType="tmRoot">
-          <p:childTnLst>
-            <p:seq concurrent="1" nextAc="seek">
-              <p:cTn id="2" dur="indefinite" nodeType="mainSeq">
-                <p:childTnLst>
-                  <p:par>
-                    <p:cTn id="3" fill="hold">
-                      <p:stCondLst>
-                        <p:cond delay="indefinite"/>
-                      </p:stCondLst>
-                      <p:childTnLst>
-                        <p:par>
-                          <p:cTn id="4" fill="hold">
-                            <p:stCondLst>
-                              <p:cond delay="0"/>
-                            </p:stCondLst>
-                            <p:childTnLst>
-                              <p:par>
-                                <p:cTn id="5" presetID="10" presetClass="entr" presetSubtype="0" fill="hold" nodeType="clickEffect">
-                                  <p:stCondLst>
-                                    <p:cond delay="0"/>
-                                  </p:stCondLst>
-                                  <p:childTnLst>
-                                    <p:set>
-                                      <p:cBhvr>
-                                        <p:cTn id="6" dur="1" fill="hold">
-                                          <p:stCondLst>
-                                            <p:cond delay="0"/>
-                                          </p:stCondLst>
-                                        </p:cTn>
-                                        <p:tgtEl>
-                                          <p:spTgt spid="3"/>
-                                        </p:tgtEl>
-                                        <p:attrNameLst>
-                                          <p:attrName>style.visibility</p:attrName>
-                                        </p:attrNameLst>
-                                      </p:cBhvr>
-                                      <p:to>
-                                        <p:strVal val="visible"/>
-                                      </p:to>
-                                    </p:set>
-                                    <p:animEffect transition="in" filter="fade">
-                                      <p:cBhvr>
-                                        <p:cTn id="7" dur="500"/>
-                                        <p:tgtEl>
-                                          <p:spTgt spid="3"/>
-                                        </p:tgtEl>
-                                      </p:cBhvr>
-                                    </p:animEffect>
-                                  </p:childTnLst>
-                                </p:cTn>
-                              </p:par>
-                            </p:childTnLst>
-                          </p:cTn>
-                        </p:par>
-                      </p:childTnLst>
-                    </p:cTn>
-                  </p:par>
-                </p:childTnLst>
-              </p:cTn>
-              <p:prevCondLst>
-                <p:cond evt="onPrev" delay="0">
-                  <p:tgtEl>
-                    <p:sldTgt/>
-                  </p:tgtEl>
-                </p:cond>
-              </p:prevCondLst>
-              <p:nextCondLst>
-                <p:cond evt="onNext" delay="0">
-                  <p:tgtEl>
-                    <p:sldTgt/>
-                  </p:tgtEl>
-                </p:cond>
-              </p:nextCondLst>
-            </p:seq>
-          </p:childTnLst>
-        </p:cTn>
-      </p:par>
-    </p:tnLst>
-  </p:timing>
-</p:sld>
-</file>
-
-<file path=ppt/slides/slide19.xml><?xml version="1.0" encoding="utf-8"?>
 <p:sld xmlns:a="http://schemas.openxmlformats.org/drawingml/2006/main" xmlns:r="http://schemas.openxmlformats.org/officeDocument/2006/relationships" xmlns:p="http://schemas.openxmlformats.org/presentationml/2006/main">
   <p:cSld>
     <p:spTree>
@@ -32010,6 +31600,13 @@
             </a:schemeClr>
           </a:fontRef>
         </p:style>
+        <p:txBody>
+          <a:bodyPr/>
+          <a:lstStyle/>
+          <a:p>
+            <a:endParaRPr lang="en-US"/>
+          </a:p>
+        </p:txBody>
       </p:sp>
       <p:sp>
         <p:nvSpPr>
@@ -32065,6 +31662,13 @@
             </a:schemeClr>
           </a:fontRef>
         </p:style>
+        <p:txBody>
+          <a:bodyPr/>
+          <a:lstStyle/>
+          <a:p>
+            <a:endParaRPr lang="en-US"/>
+          </a:p>
+        </p:txBody>
       </p:sp>
       <p:sp>
         <p:nvSpPr>
@@ -32120,6 +31724,13 @@
             </a:schemeClr>
           </a:fontRef>
         </p:style>
+        <p:txBody>
+          <a:bodyPr/>
+          <a:lstStyle/>
+          <a:p>
+            <a:endParaRPr lang="en-US"/>
+          </a:p>
+        </p:txBody>
       </p:sp>
       <p:sp>
         <p:nvSpPr>
@@ -32237,6 +31848,13 @@
             </a:schemeClr>
           </a:fontRef>
         </p:style>
+        <p:txBody>
+          <a:bodyPr/>
+          <a:lstStyle/>
+          <a:p>
+            <a:endParaRPr lang="en-US"/>
+          </a:p>
+        </p:txBody>
       </p:sp>
       <p:grpSp>
         <p:nvGrpSpPr>
@@ -32661,6 +32279,13 @@
             </a:schemeClr>
           </a:fontRef>
         </p:style>
+        <p:txBody>
+          <a:bodyPr/>
+          <a:lstStyle/>
+          <a:p>
+            <a:endParaRPr lang="en-US"/>
+          </a:p>
+        </p:txBody>
       </p:sp>
       <p:sp>
         <p:nvSpPr>
@@ -32716,6 +32341,13 @@
             </a:schemeClr>
           </a:fontRef>
         </p:style>
+        <p:txBody>
+          <a:bodyPr/>
+          <a:lstStyle/>
+          <a:p>
+            <a:endParaRPr lang="en-US"/>
+          </a:p>
+        </p:txBody>
       </p:sp>
       <p:sp>
         <p:nvSpPr>
@@ -32771,6 +32403,13 @@
             </a:schemeClr>
           </a:fontRef>
         </p:style>
+        <p:txBody>
+          <a:bodyPr/>
+          <a:lstStyle/>
+          <a:p>
+            <a:endParaRPr lang="en-US"/>
+          </a:p>
+        </p:txBody>
       </p:sp>
       <p:sp>
         <p:nvSpPr>
@@ -32888,6 +32527,13 @@
             </a:schemeClr>
           </a:fontRef>
         </p:style>
+        <p:txBody>
+          <a:bodyPr/>
+          <a:lstStyle/>
+          <a:p>
+            <a:endParaRPr lang="en-US"/>
+          </a:p>
+        </p:txBody>
       </p:sp>
       <p:graphicFrame>
         <p:nvGraphicFramePr>
@@ -33124,6 +32770,13 @@
             </a:schemeClr>
           </a:fontRef>
         </p:style>
+        <p:txBody>
+          <a:bodyPr/>
+          <a:lstStyle/>
+          <a:p>
+            <a:endParaRPr lang="en-US"/>
+          </a:p>
+        </p:txBody>
       </p:sp>
       <p:sp>
         <p:nvSpPr>
@@ -33179,6 +32832,13 @@
             </a:schemeClr>
           </a:fontRef>
         </p:style>
+        <p:txBody>
+          <a:bodyPr/>
+          <a:lstStyle/>
+          <a:p>
+            <a:endParaRPr lang="en-US"/>
+          </a:p>
+        </p:txBody>
       </p:sp>
       <p:sp>
         <p:nvSpPr>
@@ -33234,6 +32894,13 @@
             </a:schemeClr>
           </a:fontRef>
         </p:style>
+        <p:txBody>
+          <a:bodyPr/>
+          <a:lstStyle/>
+          <a:p>
+            <a:endParaRPr lang="en-US"/>
+          </a:p>
+        </p:txBody>
       </p:sp>
       <p:sp>
         <p:nvSpPr>
@@ -33351,6 +33018,13 @@
             </a:schemeClr>
           </a:fontRef>
         </p:style>
+        <p:txBody>
+          <a:bodyPr/>
+          <a:lstStyle/>
+          <a:p>
+            <a:endParaRPr lang="en-US"/>
+          </a:p>
+        </p:txBody>
       </p:sp>
       <p:grpSp>
         <p:nvGrpSpPr>
@@ -36959,24 +36633,6 @@
 </p:tagLst>
 </file>
 
-<file path=ppt/tags/tag7.xml><?xml version="1.0" encoding="utf-8"?>
-<p:tagLst xmlns:a="http://schemas.openxmlformats.org/drawingml/2006/main" xmlns:r="http://schemas.openxmlformats.org/officeDocument/2006/relationships" xmlns:p="http://schemas.openxmlformats.org/presentationml/2006/main">
-  <p:tag name="TIMING" val="|2.9|5.2"/>
-</p:tagLst>
-</file>
-
-<file path=ppt/tags/tag8.xml><?xml version="1.0" encoding="utf-8"?>
-<p:tagLst xmlns:a="http://schemas.openxmlformats.org/drawingml/2006/main" xmlns:r="http://schemas.openxmlformats.org/officeDocument/2006/relationships" xmlns:p="http://schemas.openxmlformats.org/presentationml/2006/main">
-  <p:tag name="TIMING" val="|24.5|14.7"/>
-</p:tagLst>
-</file>
-
-<file path=ppt/tags/tag9.xml><?xml version="1.0" encoding="utf-8"?>
-<p:tagLst xmlns:a="http://schemas.openxmlformats.org/drawingml/2006/main" xmlns:r="http://schemas.openxmlformats.org/officeDocument/2006/relationships" xmlns:p="http://schemas.openxmlformats.org/presentationml/2006/main">
-  <p:tag name="TIMING" val="|6.6"/>
-</p:tagLst>
-</file>
-
 <file path=ppt/theme/theme1.xml><?xml version="1.0" encoding="utf-8"?>
 <a:theme xmlns:a="http://schemas.openxmlformats.org/drawingml/2006/main" name="Office Theme">
   <a:themeElements>
